--- a/resources/soundcloud.pptx
+++ b/resources/soundcloud.pptx
@@ -104,6 +104,22 @@
       </a:defRPr>
     </a:lvl9pPr>
   </p:defaultTextStyle>
+  <p:extLst>
+    <p:ext uri="{EFAFB233-063F-42B5-8137-9DF3F51BA10A}">
+      <p15:sldGuideLst xmlns:p15="http://schemas.microsoft.com/office/powerpoint/2012/main">
+        <p15:guide id="1" orient="horz" pos="1440">
+          <p15:clr>
+            <a:srgbClr val="A4A3A4"/>
+          </p15:clr>
+        </p15:guide>
+        <p15:guide id="2" pos="1440">
+          <p15:clr>
+            <a:srgbClr val="A4A3A4"/>
+          </p15:clr>
+        </p15:guide>
+      </p15:sldGuideLst>
+    </p:ext>
+  </p:extLst>
 </p:presentation>
 </file>
 
@@ -288,7 +304,7 @@
           <a:p>
             <a:fld id="{226C7FB1-4831-6A4C-9DF2-6EA9AA49499B}" type="datetimeFigureOut">
               <a:rPr lang="en-US" smtClean="0"/>
-              <a:t>1/25/17</a:t>
+              <a:t>5/17/17</a:t>
             </a:fld>
             <a:endParaRPr lang="en-US"/>
           </a:p>
@@ -458,7 +474,7 @@
           <a:p>
             <a:fld id="{226C7FB1-4831-6A4C-9DF2-6EA9AA49499B}" type="datetimeFigureOut">
               <a:rPr lang="en-US" smtClean="0"/>
-              <a:t>1/25/17</a:t>
+              <a:t>5/17/17</a:t>
             </a:fld>
             <a:endParaRPr lang="en-US"/>
           </a:p>
@@ -638,7 +654,7 @@
           <a:p>
             <a:fld id="{226C7FB1-4831-6A4C-9DF2-6EA9AA49499B}" type="datetimeFigureOut">
               <a:rPr lang="en-US" smtClean="0"/>
-              <a:t>1/25/17</a:t>
+              <a:t>5/17/17</a:t>
             </a:fld>
             <a:endParaRPr lang="en-US"/>
           </a:p>
@@ -808,7 +824,7 @@
           <a:p>
             <a:fld id="{226C7FB1-4831-6A4C-9DF2-6EA9AA49499B}" type="datetimeFigureOut">
               <a:rPr lang="en-US" smtClean="0"/>
-              <a:t>1/25/17</a:t>
+              <a:t>5/17/17</a:t>
             </a:fld>
             <a:endParaRPr lang="en-US"/>
           </a:p>
@@ -1054,7 +1070,7 @@
           <a:p>
             <a:fld id="{226C7FB1-4831-6A4C-9DF2-6EA9AA49499B}" type="datetimeFigureOut">
               <a:rPr lang="en-US" smtClean="0"/>
-              <a:t>1/25/17</a:t>
+              <a:t>5/17/17</a:t>
             </a:fld>
             <a:endParaRPr lang="en-US"/>
           </a:p>
@@ -1342,7 +1358,7 @@
           <a:p>
             <a:fld id="{226C7FB1-4831-6A4C-9DF2-6EA9AA49499B}" type="datetimeFigureOut">
               <a:rPr lang="en-US" smtClean="0"/>
-              <a:t>1/25/17</a:t>
+              <a:t>5/17/17</a:t>
             </a:fld>
             <a:endParaRPr lang="en-US"/>
           </a:p>
@@ -1769,7 +1785,7 @@
           <a:p>
             <a:fld id="{226C7FB1-4831-6A4C-9DF2-6EA9AA49499B}" type="datetimeFigureOut">
               <a:rPr lang="en-US" smtClean="0"/>
-              <a:t>1/25/17</a:t>
+              <a:t>5/17/17</a:t>
             </a:fld>
             <a:endParaRPr lang="en-US"/>
           </a:p>
@@ -1887,7 +1903,7 @@
           <a:p>
             <a:fld id="{226C7FB1-4831-6A4C-9DF2-6EA9AA49499B}" type="datetimeFigureOut">
               <a:rPr lang="en-US" smtClean="0"/>
-              <a:t>1/25/17</a:t>
+              <a:t>5/17/17</a:t>
             </a:fld>
             <a:endParaRPr lang="en-US"/>
           </a:p>
@@ -1982,7 +1998,7 @@
           <a:p>
             <a:fld id="{226C7FB1-4831-6A4C-9DF2-6EA9AA49499B}" type="datetimeFigureOut">
               <a:rPr lang="en-US" smtClean="0"/>
-              <a:t>1/25/17</a:t>
+              <a:t>5/17/17</a:t>
             </a:fld>
             <a:endParaRPr lang="en-US"/>
           </a:p>
@@ -2259,7 +2275,7 @@
           <a:p>
             <a:fld id="{226C7FB1-4831-6A4C-9DF2-6EA9AA49499B}" type="datetimeFigureOut">
               <a:rPr lang="en-US" smtClean="0"/>
-              <a:t>1/25/17</a:t>
+              <a:t>5/17/17</a:t>
             </a:fld>
             <a:endParaRPr lang="en-US"/>
           </a:p>
@@ -2512,7 +2528,7 @@
           <a:p>
             <a:fld id="{226C7FB1-4831-6A4C-9DF2-6EA9AA49499B}" type="datetimeFigureOut">
               <a:rPr lang="en-US" smtClean="0"/>
-              <a:t>1/25/17</a:t>
+              <a:t>5/17/17</a:t>
             </a:fld>
             <a:endParaRPr lang="en-US"/>
           </a:p>
@@ -2725,7 +2741,7 @@
           <a:p>
             <a:fld id="{226C7FB1-4831-6A4C-9DF2-6EA9AA49499B}" type="datetimeFigureOut">
               <a:rPr lang="en-US" smtClean="0"/>
-              <a:t>1/25/17</a:t>
+              <a:t>5/17/17</a:t>
             </a:fld>
             <a:endParaRPr lang="en-US"/>
           </a:p>
@@ -3089,7 +3105,7 @@
     <p:bg>
       <p:bgPr>
         <a:solidFill>
-          <a:srgbClr val="008000"/>
+          <a:srgbClr val="7030A0"/>
         </a:solidFill>
         <a:effectLst/>
       </p:bgPr>
@@ -3131,21 +3147,49 @@
           <a:lstStyle/>
           <a:p>
             <a:r>
-              <a:rPr lang="en-US" sz="9600" b="1" dirty="0"/>
+              <a:rPr lang="en-US" sz="9600" b="1" dirty="0">
+                <a:solidFill>
+                  <a:srgbClr val="FFFF00"/>
+                </a:solidFill>
+              </a:rPr>
               <a:t>HSJ</a:t>
             </a:r>
             <a:br>
-              <a:rPr lang="en-US" sz="9600" b="1" dirty="0"/>
+              <a:rPr lang="en-US" sz="9600" b="1" dirty="0">
+                <a:solidFill>
+                  <a:srgbClr val="FFFF00"/>
+                </a:solidFill>
+              </a:rPr>
             </a:br>
             <a:r>
-              <a:rPr lang="en-US" sz="9600" b="1" dirty="0"/>
-              <a:t>Jan</a:t>
+              <a:rPr lang="en-US" sz="9600" b="1" dirty="0" smtClean="0">
+                <a:solidFill>
+                  <a:srgbClr val="FFFF00"/>
+                </a:solidFill>
+              </a:rPr>
+              <a:t>April</a:t>
+            </a:r>
+            <a:r>
+              <a:rPr lang="en-US" sz="9600" b="1" dirty="0">
+                <a:solidFill>
+                  <a:srgbClr val="FFFF00"/>
+                </a:solidFill>
+              </a:rPr>
+              <a:t/>
             </a:r>
             <a:br>
-              <a:rPr lang="en-US" sz="9600" b="1" dirty="0"/>
+              <a:rPr lang="en-US" sz="9600" b="1" dirty="0">
+                <a:solidFill>
+                  <a:srgbClr val="FFFF00"/>
+                </a:solidFill>
+              </a:rPr>
             </a:br>
             <a:r>
-              <a:rPr lang="en-US" sz="9600" b="1" dirty="0"/>
+              <a:rPr lang="en-US" sz="9600" b="1" dirty="0">
+                <a:solidFill>
+                  <a:srgbClr val="FFFF00"/>
+                </a:solidFill>
+              </a:rPr>
               <a:t>2017</a:t>
             </a:r>
           </a:p>

--- a/resources/soundcloud.pptx
+++ b/resources/soundcloud.pptx
@@ -304,7 +304,7 @@
           <a:p>
             <a:fld id="{226C7FB1-4831-6A4C-9DF2-6EA9AA49499B}" type="datetimeFigureOut">
               <a:rPr lang="en-US" smtClean="0"/>
-              <a:t>5/17/17</a:t>
+              <a:t>7/11/17</a:t>
             </a:fld>
             <a:endParaRPr lang="en-US"/>
           </a:p>
@@ -474,7 +474,7 @@
           <a:p>
             <a:fld id="{226C7FB1-4831-6A4C-9DF2-6EA9AA49499B}" type="datetimeFigureOut">
               <a:rPr lang="en-US" smtClean="0"/>
-              <a:t>5/17/17</a:t>
+              <a:t>7/11/17</a:t>
             </a:fld>
             <a:endParaRPr lang="en-US"/>
           </a:p>
@@ -654,7 +654,7 @@
           <a:p>
             <a:fld id="{226C7FB1-4831-6A4C-9DF2-6EA9AA49499B}" type="datetimeFigureOut">
               <a:rPr lang="en-US" smtClean="0"/>
-              <a:t>5/17/17</a:t>
+              <a:t>7/11/17</a:t>
             </a:fld>
             <a:endParaRPr lang="en-US"/>
           </a:p>
@@ -824,7 +824,7 @@
           <a:p>
             <a:fld id="{226C7FB1-4831-6A4C-9DF2-6EA9AA49499B}" type="datetimeFigureOut">
               <a:rPr lang="en-US" smtClean="0"/>
-              <a:t>5/17/17</a:t>
+              <a:t>7/11/17</a:t>
             </a:fld>
             <a:endParaRPr lang="en-US"/>
           </a:p>
@@ -1070,7 +1070,7 @@
           <a:p>
             <a:fld id="{226C7FB1-4831-6A4C-9DF2-6EA9AA49499B}" type="datetimeFigureOut">
               <a:rPr lang="en-US" smtClean="0"/>
-              <a:t>5/17/17</a:t>
+              <a:t>7/11/17</a:t>
             </a:fld>
             <a:endParaRPr lang="en-US"/>
           </a:p>
@@ -1358,7 +1358,7 @@
           <a:p>
             <a:fld id="{226C7FB1-4831-6A4C-9DF2-6EA9AA49499B}" type="datetimeFigureOut">
               <a:rPr lang="en-US" smtClean="0"/>
-              <a:t>5/17/17</a:t>
+              <a:t>7/11/17</a:t>
             </a:fld>
             <a:endParaRPr lang="en-US"/>
           </a:p>
@@ -1785,7 +1785,7 @@
           <a:p>
             <a:fld id="{226C7FB1-4831-6A4C-9DF2-6EA9AA49499B}" type="datetimeFigureOut">
               <a:rPr lang="en-US" smtClean="0"/>
-              <a:t>5/17/17</a:t>
+              <a:t>7/11/17</a:t>
             </a:fld>
             <a:endParaRPr lang="en-US"/>
           </a:p>
@@ -1903,7 +1903,7 @@
           <a:p>
             <a:fld id="{226C7FB1-4831-6A4C-9DF2-6EA9AA49499B}" type="datetimeFigureOut">
               <a:rPr lang="en-US" smtClean="0"/>
-              <a:t>5/17/17</a:t>
+              <a:t>7/11/17</a:t>
             </a:fld>
             <a:endParaRPr lang="en-US"/>
           </a:p>
@@ -1998,7 +1998,7 @@
           <a:p>
             <a:fld id="{226C7FB1-4831-6A4C-9DF2-6EA9AA49499B}" type="datetimeFigureOut">
               <a:rPr lang="en-US" smtClean="0"/>
-              <a:t>5/17/17</a:t>
+              <a:t>7/11/17</a:t>
             </a:fld>
             <a:endParaRPr lang="en-US"/>
           </a:p>
@@ -2275,7 +2275,7 @@
           <a:p>
             <a:fld id="{226C7FB1-4831-6A4C-9DF2-6EA9AA49499B}" type="datetimeFigureOut">
               <a:rPr lang="en-US" smtClean="0"/>
-              <a:t>5/17/17</a:t>
+              <a:t>7/11/17</a:t>
             </a:fld>
             <a:endParaRPr lang="en-US"/>
           </a:p>
@@ -2528,7 +2528,7 @@
           <a:p>
             <a:fld id="{226C7FB1-4831-6A4C-9DF2-6EA9AA49499B}" type="datetimeFigureOut">
               <a:rPr lang="en-US" smtClean="0"/>
-              <a:t>5/17/17</a:t>
+              <a:t>7/11/17</a:t>
             </a:fld>
             <a:endParaRPr lang="en-US"/>
           </a:p>
@@ -2741,7 +2741,7 @@
           <a:p>
             <a:fld id="{226C7FB1-4831-6A4C-9DF2-6EA9AA49499B}" type="datetimeFigureOut">
               <a:rPr lang="en-US" smtClean="0"/>
-              <a:t>5/17/17</a:t>
+              <a:t>7/11/17</a:t>
             </a:fld>
             <a:endParaRPr lang="en-US"/>
           </a:p>
@@ -3105,7 +3105,7 @@
     <p:bg>
       <p:bgPr>
         <a:solidFill>
-          <a:srgbClr val="7030A0"/>
+          <a:schemeClr val="tx1"/>
         </a:solidFill>
         <a:effectLst/>
       </p:bgPr>
@@ -3149,10 +3149,18 @@
             <a:r>
               <a:rPr lang="en-US" sz="9600" b="1" dirty="0">
                 <a:solidFill>
+                  <a:srgbClr val="FF0000"/>
+                </a:solidFill>
+              </a:rPr>
+              <a:t>HSJ</a:t>
+            </a:r>
+            <a:r>
+              <a:rPr lang="en-US" sz="9600" b="1" dirty="0">
+                <a:solidFill>
                   <a:srgbClr val="FFFF00"/>
                 </a:solidFill>
               </a:rPr>
-              <a:t>HSJ</a:t>
+              <a:t/>
             </a:r>
             <a:br>
               <a:rPr lang="en-US" sz="9600" b="1" dirty="0">
@@ -3164,10 +3172,10 @@
             <a:r>
               <a:rPr lang="en-US" sz="9600" b="1" dirty="0" smtClean="0">
                 <a:solidFill>
-                  <a:srgbClr val="FFFF00"/>
+                  <a:schemeClr val="bg1"/>
                 </a:solidFill>
               </a:rPr>
-              <a:t>April</a:t>
+              <a:t>July</a:t>
             </a:r>
             <a:r>
               <a:rPr lang="en-US" sz="9600" b="1" dirty="0">
@@ -3187,7 +3195,7 @@
             <a:r>
               <a:rPr lang="en-US" sz="9600" b="1" dirty="0">
                 <a:solidFill>
-                  <a:srgbClr val="FFFF00"/>
+                  <a:srgbClr val="00BDFF"/>
                 </a:solidFill>
               </a:rPr>
               <a:t>2017</a:t>

--- a/resources/soundcloud.pptx
+++ b/resources/soundcloud.pptx
@@ -6,6 +6,7 @@
   </p:sldMasterIdLst>
   <p:sldIdLst>
     <p:sldId id="256" r:id="rId2"/>
+    <p:sldId id="258" r:id="rId3"/>
   </p:sldIdLst>
   <p:sldSz cx="4572000" cy="4572000"/>
   <p:notesSz cx="6858000" cy="9144000"/>
@@ -304,7 +305,7 @@
           <a:p>
             <a:fld id="{226C7FB1-4831-6A4C-9DF2-6EA9AA49499B}" type="datetimeFigureOut">
               <a:rPr lang="en-US" smtClean="0"/>
-              <a:t>7/11/17</a:t>
+              <a:t>7/22/17</a:t>
             </a:fld>
             <a:endParaRPr lang="en-US"/>
           </a:p>
@@ -474,7 +475,7 @@
           <a:p>
             <a:fld id="{226C7FB1-4831-6A4C-9DF2-6EA9AA49499B}" type="datetimeFigureOut">
               <a:rPr lang="en-US" smtClean="0"/>
-              <a:t>7/11/17</a:t>
+              <a:t>7/22/17</a:t>
             </a:fld>
             <a:endParaRPr lang="en-US"/>
           </a:p>
@@ -654,7 +655,7 @@
           <a:p>
             <a:fld id="{226C7FB1-4831-6A4C-9DF2-6EA9AA49499B}" type="datetimeFigureOut">
               <a:rPr lang="en-US" smtClean="0"/>
-              <a:t>7/11/17</a:t>
+              <a:t>7/22/17</a:t>
             </a:fld>
             <a:endParaRPr lang="en-US"/>
           </a:p>
@@ -824,7 +825,7 @@
           <a:p>
             <a:fld id="{226C7FB1-4831-6A4C-9DF2-6EA9AA49499B}" type="datetimeFigureOut">
               <a:rPr lang="en-US" smtClean="0"/>
-              <a:t>7/11/17</a:t>
+              <a:t>7/22/17</a:t>
             </a:fld>
             <a:endParaRPr lang="en-US"/>
           </a:p>
@@ -1070,7 +1071,7 @@
           <a:p>
             <a:fld id="{226C7FB1-4831-6A4C-9DF2-6EA9AA49499B}" type="datetimeFigureOut">
               <a:rPr lang="en-US" smtClean="0"/>
-              <a:t>7/11/17</a:t>
+              <a:t>7/22/17</a:t>
             </a:fld>
             <a:endParaRPr lang="en-US"/>
           </a:p>
@@ -1358,7 +1359,7 @@
           <a:p>
             <a:fld id="{226C7FB1-4831-6A4C-9DF2-6EA9AA49499B}" type="datetimeFigureOut">
               <a:rPr lang="en-US" smtClean="0"/>
-              <a:t>7/11/17</a:t>
+              <a:t>7/22/17</a:t>
             </a:fld>
             <a:endParaRPr lang="en-US"/>
           </a:p>
@@ -1785,7 +1786,7 @@
           <a:p>
             <a:fld id="{226C7FB1-4831-6A4C-9DF2-6EA9AA49499B}" type="datetimeFigureOut">
               <a:rPr lang="en-US" smtClean="0"/>
-              <a:t>7/11/17</a:t>
+              <a:t>7/22/17</a:t>
             </a:fld>
             <a:endParaRPr lang="en-US"/>
           </a:p>
@@ -1903,7 +1904,7 @@
           <a:p>
             <a:fld id="{226C7FB1-4831-6A4C-9DF2-6EA9AA49499B}" type="datetimeFigureOut">
               <a:rPr lang="en-US" smtClean="0"/>
-              <a:t>7/11/17</a:t>
+              <a:t>7/22/17</a:t>
             </a:fld>
             <a:endParaRPr lang="en-US"/>
           </a:p>
@@ -1998,7 +1999,7 @@
           <a:p>
             <a:fld id="{226C7FB1-4831-6A4C-9DF2-6EA9AA49499B}" type="datetimeFigureOut">
               <a:rPr lang="en-US" smtClean="0"/>
-              <a:t>7/11/17</a:t>
+              <a:t>7/22/17</a:t>
             </a:fld>
             <a:endParaRPr lang="en-US"/>
           </a:p>
@@ -2275,7 +2276,7 @@
           <a:p>
             <a:fld id="{226C7FB1-4831-6A4C-9DF2-6EA9AA49499B}" type="datetimeFigureOut">
               <a:rPr lang="en-US" smtClean="0"/>
-              <a:t>7/11/17</a:t>
+              <a:t>7/22/17</a:t>
             </a:fld>
             <a:endParaRPr lang="en-US"/>
           </a:p>
@@ -2528,7 +2529,7 @@
           <a:p>
             <a:fld id="{226C7FB1-4831-6A4C-9DF2-6EA9AA49499B}" type="datetimeFigureOut">
               <a:rPr lang="en-US" smtClean="0"/>
-              <a:t>7/11/17</a:t>
+              <a:t>7/22/17</a:t>
             </a:fld>
             <a:endParaRPr lang="en-US"/>
           </a:p>
@@ -2741,7 +2742,7 @@
           <a:p>
             <a:fld id="{226C7FB1-4831-6A4C-9DF2-6EA9AA49499B}" type="datetimeFigureOut">
               <a:rPr lang="en-US" smtClean="0"/>
-              <a:t>7/11/17</a:t>
+              <a:t>7/22/17</a:t>
             </a:fld>
             <a:endParaRPr lang="en-US"/>
           </a:p>
@@ -3207,6 +3208,97 @@
     <p:extLst>
       <p:ext uri="{BB962C8B-B14F-4D97-AF65-F5344CB8AC3E}">
         <p14:creationId xmlns:p14="http://schemas.microsoft.com/office/powerpoint/2010/main" val="2020459668"/>
+      </p:ext>
+    </p:extLst>
+  </p:cSld>
+  <p:clrMapOvr>
+    <a:masterClrMapping/>
+  </p:clrMapOvr>
+</p:sld>
+</file>
+
+<file path=ppt/slides/slide2.xml><?xml version="1.0" encoding="utf-8"?>
+<p:sld xmlns:a="http://schemas.openxmlformats.org/drawingml/2006/main" xmlns:r="http://schemas.openxmlformats.org/officeDocument/2006/relationships" xmlns:p="http://schemas.openxmlformats.org/presentationml/2006/main">
+  <p:cSld>
+    <p:bg>
+      <p:bgPr>
+        <a:solidFill>
+          <a:schemeClr val="tx1"/>
+        </a:solidFill>
+        <a:effectLst/>
+      </p:bgPr>
+    </p:bg>
+    <p:spTree>
+      <p:nvGrpSpPr>
+        <p:cNvPr id="1" name=""/>
+        <p:cNvGrpSpPr/>
+        <p:nvPr/>
+      </p:nvGrpSpPr>
+      <p:grpSpPr>
+        <a:xfrm>
+          <a:off x="0" y="0"/>
+          <a:ext cx="0" cy="0"/>
+          <a:chOff x="0" y="0"/>
+          <a:chExt cx="0" cy="0"/>
+        </a:xfrm>
+      </p:grpSpPr>
+      <p:sp>
+        <p:nvSpPr>
+          <p:cNvPr id="2" name="Title 1"/>
+          <p:cNvSpPr>
+            <a:spLocks noGrp="1"/>
+          </p:cNvSpPr>
+          <p:nvPr>
+            <p:ph type="ctrTitle"/>
+          </p:nvPr>
+        </p:nvSpPr>
+        <p:spPr>
+          <a:xfrm>
+            <a:off x="0" y="173918"/>
+            <a:ext cx="4578662" cy="4163620"/>
+          </a:xfrm>
+        </p:spPr>
+        <p:txBody>
+          <a:bodyPr>
+            <a:noAutofit/>
+          </a:bodyPr>
+          <a:lstStyle/>
+          <a:p>
+            <a:r>
+              <a:rPr lang="en-US" sz="9600" b="1" dirty="0" smtClean="0">
+                <a:solidFill>
+                  <a:srgbClr val="FF0000"/>
+                </a:solidFill>
+              </a:rPr>
+              <a:t>491</a:t>
+            </a:r>
+            <a:br>
+              <a:rPr lang="en-US" sz="9600" b="1" dirty="0" smtClean="0">
+                <a:solidFill>
+                  <a:srgbClr val="FF0000"/>
+                </a:solidFill>
+              </a:rPr>
+            </a:br>
+            <a:r>
+              <a:rPr lang="en-US" sz="9600" b="1" dirty="0" smtClean="0">
+                <a:solidFill>
+                  <a:srgbClr val="FF0000"/>
+                </a:solidFill>
+              </a:rPr>
+              <a:t>f17</a:t>
+            </a:r>
+            <a:endParaRPr lang="en-US" sz="9600" b="1" dirty="0">
+              <a:solidFill>
+                <a:srgbClr val="00BDFF"/>
+              </a:solidFill>
+            </a:endParaRPr>
+          </a:p>
+        </p:txBody>
+      </p:sp>
+    </p:spTree>
+    <p:extLst>
+      <p:ext uri="{BB962C8B-B14F-4D97-AF65-F5344CB8AC3E}">
+        <p14:creationId xmlns:p14="http://schemas.microsoft.com/office/powerpoint/2010/main" val="702304255"/>
       </p:ext>
     </p:extLst>
   </p:cSld>

--- a/resources/soundcloud.pptx
+++ b/resources/soundcloud.pptx
@@ -6,7 +6,9 @@
   </p:sldMasterIdLst>
   <p:sldIdLst>
     <p:sldId id="256" r:id="rId2"/>
-    <p:sldId id="258" r:id="rId3"/>
+    <p:sldId id="259" r:id="rId3"/>
+    <p:sldId id="260" r:id="rId4"/>
+    <p:sldId id="258" r:id="rId5"/>
   </p:sldIdLst>
   <p:sldSz cx="4572000" cy="4572000"/>
   <p:notesSz cx="6858000" cy="9144000"/>
@@ -305,7 +307,7 @@
           <a:p>
             <a:fld id="{226C7FB1-4831-6A4C-9DF2-6EA9AA49499B}" type="datetimeFigureOut">
               <a:rPr lang="en-US" smtClean="0"/>
-              <a:t>7/22/17</a:t>
+              <a:t>10/2/17</a:t>
             </a:fld>
             <a:endParaRPr lang="en-US"/>
           </a:p>
@@ -475,7 +477,7 @@
           <a:p>
             <a:fld id="{226C7FB1-4831-6A4C-9DF2-6EA9AA49499B}" type="datetimeFigureOut">
               <a:rPr lang="en-US" smtClean="0"/>
-              <a:t>7/22/17</a:t>
+              <a:t>10/2/17</a:t>
             </a:fld>
             <a:endParaRPr lang="en-US"/>
           </a:p>
@@ -655,7 +657,7 @@
           <a:p>
             <a:fld id="{226C7FB1-4831-6A4C-9DF2-6EA9AA49499B}" type="datetimeFigureOut">
               <a:rPr lang="en-US" smtClean="0"/>
-              <a:t>7/22/17</a:t>
+              <a:t>10/2/17</a:t>
             </a:fld>
             <a:endParaRPr lang="en-US"/>
           </a:p>
@@ -825,7 +827,7 @@
           <a:p>
             <a:fld id="{226C7FB1-4831-6A4C-9DF2-6EA9AA49499B}" type="datetimeFigureOut">
               <a:rPr lang="en-US" smtClean="0"/>
-              <a:t>7/22/17</a:t>
+              <a:t>10/2/17</a:t>
             </a:fld>
             <a:endParaRPr lang="en-US"/>
           </a:p>
@@ -1071,7 +1073,7 @@
           <a:p>
             <a:fld id="{226C7FB1-4831-6A4C-9DF2-6EA9AA49499B}" type="datetimeFigureOut">
               <a:rPr lang="en-US" smtClean="0"/>
-              <a:t>7/22/17</a:t>
+              <a:t>10/2/17</a:t>
             </a:fld>
             <a:endParaRPr lang="en-US"/>
           </a:p>
@@ -1359,7 +1361,7 @@
           <a:p>
             <a:fld id="{226C7FB1-4831-6A4C-9DF2-6EA9AA49499B}" type="datetimeFigureOut">
               <a:rPr lang="en-US" smtClean="0"/>
-              <a:t>7/22/17</a:t>
+              <a:t>10/2/17</a:t>
             </a:fld>
             <a:endParaRPr lang="en-US"/>
           </a:p>
@@ -1786,7 +1788,7 @@
           <a:p>
             <a:fld id="{226C7FB1-4831-6A4C-9DF2-6EA9AA49499B}" type="datetimeFigureOut">
               <a:rPr lang="en-US" smtClean="0"/>
-              <a:t>7/22/17</a:t>
+              <a:t>10/2/17</a:t>
             </a:fld>
             <a:endParaRPr lang="en-US"/>
           </a:p>
@@ -1904,7 +1906,7 @@
           <a:p>
             <a:fld id="{226C7FB1-4831-6A4C-9DF2-6EA9AA49499B}" type="datetimeFigureOut">
               <a:rPr lang="en-US" smtClean="0"/>
-              <a:t>7/22/17</a:t>
+              <a:t>10/2/17</a:t>
             </a:fld>
             <a:endParaRPr lang="en-US"/>
           </a:p>
@@ -1999,7 +2001,7 @@
           <a:p>
             <a:fld id="{226C7FB1-4831-6A4C-9DF2-6EA9AA49499B}" type="datetimeFigureOut">
               <a:rPr lang="en-US" smtClean="0"/>
-              <a:t>7/22/17</a:t>
+              <a:t>10/2/17</a:t>
             </a:fld>
             <a:endParaRPr lang="en-US"/>
           </a:p>
@@ -2276,7 +2278,7 @@
           <a:p>
             <a:fld id="{226C7FB1-4831-6A4C-9DF2-6EA9AA49499B}" type="datetimeFigureOut">
               <a:rPr lang="en-US" smtClean="0"/>
-              <a:t>7/22/17</a:t>
+              <a:t>10/2/17</a:t>
             </a:fld>
             <a:endParaRPr lang="en-US"/>
           </a:p>
@@ -2529,7 +2531,7 @@
           <a:p>
             <a:fld id="{226C7FB1-4831-6A4C-9DF2-6EA9AA49499B}" type="datetimeFigureOut">
               <a:rPr lang="en-US" smtClean="0"/>
-              <a:t>7/22/17</a:t>
+              <a:t>10/2/17</a:t>
             </a:fld>
             <a:endParaRPr lang="en-US"/>
           </a:p>
@@ -2742,7 +2744,7 @@
           <a:p>
             <a:fld id="{226C7FB1-4831-6A4C-9DF2-6EA9AA49499B}" type="datetimeFigureOut">
               <a:rPr lang="en-US" smtClean="0"/>
-              <a:t>7/22/17</a:t>
+              <a:t>10/2/17</a:t>
             </a:fld>
             <a:endParaRPr lang="en-US"/>
           </a:p>
@@ -3218,6 +3220,227 @@
 </file>
 
 <file path=ppt/slides/slide2.xml><?xml version="1.0" encoding="utf-8"?>
+<p:sld xmlns:a="http://schemas.openxmlformats.org/drawingml/2006/main" xmlns:r="http://schemas.openxmlformats.org/officeDocument/2006/relationships" xmlns:p="http://schemas.openxmlformats.org/presentationml/2006/main">
+  <p:cSld>
+    <p:bg>
+      <p:bgPr>
+        <a:solidFill>
+          <a:schemeClr val="accent6">
+            <a:lumMod val="60000"/>
+            <a:lumOff val="40000"/>
+          </a:schemeClr>
+        </a:solidFill>
+        <a:effectLst/>
+      </p:bgPr>
+    </p:bg>
+    <p:spTree>
+      <p:nvGrpSpPr>
+        <p:cNvPr id="1" name=""/>
+        <p:cNvGrpSpPr/>
+        <p:nvPr/>
+      </p:nvGrpSpPr>
+      <p:grpSpPr>
+        <a:xfrm>
+          <a:off x="0" y="0"/>
+          <a:ext cx="0" cy="0"/>
+          <a:chOff x="0" y="0"/>
+          <a:chExt cx="0" cy="0"/>
+        </a:xfrm>
+      </p:grpSpPr>
+      <p:sp>
+        <p:nvSpPr>
+          <p:cNvPr id="2" name="Title 1"/>
+          <p:cNvSpPr>
+            <a:spLocks noGrp="1"/>
+          </p:cNvSpPr>
+          <p:nvPr>
+            <p:ph type="ctrTitle"/>
+          </p:nvPr>
+        </p:nvSpPr>
+        <p:spPr>
+          <a:xfrm>
+            <a:off x="0" y="173918"/>
+            <a:ext cx="4578662" cy="4163620"/>
+          </a:xfrm>
+        </p:spPr>
+        <p:txBody>
+          <a:bodyPr>
+            <a:noAutofit/>
+          </a:bodyPr>
+          <a:lstStyle/>
+          <a:p>
+            <a:r>
+              <a:rPr lang="en-US" sz="9600" b="1" dirty="0">
+                <a:solidFill>
+                  <a:srgbClr val="C00000"/>
+                </a:solidFill>
+              </a:rPr>
+              <a:t>HSJ</a:t>
+            </a:r>
+            <a:br>
+              <a:rPr lang="en-US" sz="9600" b="1" dirty="0">
+                <a:solidFill>
+                  <a:srgbClr val="C00000"/>
+                </a:solidFill>
+              </a:rPr>
+            </a:br>
+            <a:r>
+              <a:rPr lang="en-US" sz="9600" b="1" dirty="0" smtClean="0">
+                <a:solidFill>
+                  <a:srgbClr val="C00000"/>
+                </a:solidFill>
+              </a:rPr>
+              <a:t>August</a:t>
+            </a:r>
+            <a:r>
+              <a:rPr lang="en-US" sz="9600" b="1" dirty="0">
+                <a:solidFill>
+                  <a:srgbClr val="C00000"/>
+                </a:solidFill>
+              </a:rPr>
+              <a:t/>
+            </a:r>
+            <a:br>
+              <a:rPr lang="en-US" sz="9600" b="1" dirty="0">
+                <a:solidFill>
+                  <a:srgbClr val="C00000"/>
+                </a:solidFill>
+              </a:rPr>
+            </a:br>
+            <a:r>
+              <a:rPr lang="en-US" sz="9600" b="1" dirty="0">
+                <a:solidFill>
+                  <a:srgbClr val="C00000"/>
+                </a:solidFill>
+              </a:rPr>
+              <a:t>2017</a:t>
+            </a:r>
+          </a:p>
+        </p:txBody>
+      </p:sp>
+    </p:spTree>
+    <p:extLst>
+      <p:ext uri="{BB962C8B-B14F-4D97-AF65-F5344CB8AC3E}">
+        <p14:creationId xmlns:p14="http://schemas.microsoft.com/office/powerpoint/2010/main" val="1609239269"/>
+      </p:ext>
+    </p:extLst>
+  </p:cSld>
+  <p:clrMapOvr>
+    <a:masterClrMapping/>
+  </p:clrMapOvr>
+</p:sld>
+</file>
+
+<file path=ppt/slides/slide3.xml><?xml version="1.0" encoding="utf-8"?>
+<p:sld xmlns:a="http://schemas.openxmlformats.org/drawingml/2006/main" xmlns:r="http://schemas.openxmlformats.org/officeDocument/2006/relationships" xmlns:p="http://schemas.openxmlformats.org/presentationml/2006/main">
+  <p:cSld>
+    <p:bg>
+      <p:bgPr>
+        <a:solidFill>
+          <a:srgbClr val="D700FA"/>
+        </a:solidFill>
+        <a:effectLst/>
+      </p:bgPr>
+    </p:bg>
+    <p:spTree>
+      <p:nvGrpSpPr>
+        <p:cNvPr id="1" name=""/>
+        <p:cNvGrpSpPr/>
+        <p:nvPr/>
+      </p:nvGrpSpPr>
+      <p:grpSpPr>
+        <a:xfrm>
+          <a:off x="0" y="0"/>
+          <a:ext cx="0" cy="0"/>
+          <a:chOff x="0" y="0"/>
+          <a:chExt cx="0" cy="0"/>
+        </a:xfrm>
+      </p:grpSpPr>
+      <p:sp>
+        <p:nvSpPr>
+          <p:cNvPr id="2" name="Title 1"/>
+          <p:cNvSpPr>
+            <a:spLocks noGrp="1"/>
+          </p:cNvSpPr>
+          <p:nvPr>
+            <p:ph type="ctrTitle"/>
+          </p:nvPr>
+        </p:nvSpPr>
+        <p:spPr>
+          <a:xfrm>
+            <a:off x="0" y="173918"/>
+            <a:ext cx="4578662" cy="4163620"/>
+          </a:xfrm>
+        </p:spPr>
+        <p:txBody>
+          <a:bodyPr>
+            <a:noAutofit/>
+          </a:bodyPr>
+          <a:lstStyle/>
+          <a:p>
+            <a:r>
+              <a:rPr lang="en-US" sz="9600" b="1" dirty="0">
+                <a:solidFill>
+                  <a:srgbClr val="FFFF00"/>
+                </a:solidFill>
+              </a:rPr>
+              <a:t>HSJ</a:t>
+            </a:r>
+            <a:br>
+              <a:rPr lang="en-US" sz="9600" b="1" dirty="0">
+                <a:solidFill>
+                  <a:srgbClr val="FFFF00"/>
+                </a:solidFill>
+              </a:rPr>
+            </a:br>
+            <a:r>
+              <a:rPr lang="en-US" sz="9600" b="1" dirty="0" smtClean="0">
+                <a:solidFill>
+                  <a:srgbClr val="FFFF00"/>
+                </a:solidFill>
+              </a:rPr>
+              <a:t>Sep</a:t>
+            </a:r>
+            <a:r>
+              <a:rPr lang="en-US" sz="9600" b="1" dirty="0">
+                <a:solidFill>
+                  <a:srgbClr val="FFFF00"/>
+                </a:solidFill>
+              </a:rPr>
+              <a:t/>
+            </a:r>
+            <a:br>
+              <a:rPr lang="en-US" sz="9600" b="1" dirty="0">
+                <a:solidFill>
+                  <a:srgbClr val="FFFF00"/>
+                </a:solidFill>
+              </a:rPr>
+            </a:br>
+            <a:r>
+              <a:rPr lang="en-US" sz="9600" b="1" dirty="0">
+                <a:solidFill>
+                  <a:srgbClr val="FFFF00"/>
+                </a:solidFill>
+              </a:rPr>
+              <a:t>2017</a:t>
+            </a:r>
+          </a:p>
+        </p:txBody>
+      </p:sp>
+    </p:spTree>
+    <p:extLst>
+      <p:ext uri="{BB962C8B-B14F-4D97-AF65-F5344CB8AC3E}">
+        <p14:creationId xmlns:p14="http://schemas.microsoft.com/office/powerpoint/2010/main" val="275740262"/>
+      </p:ext>
+    </p:extLst>
+  </p:cSld>
+  <p:clrMapOvr>
+    <a:masterClrMapping/>
+  </p:clrMapOvr>
+</p:sld>
+</file>
+
+<file path=ppt/slides/slide4.xml><?xml version="1.0" encoding="utf-8"?>
 <p:sld xmlns:a="http://schemas.openxmlformats.org/drawingml/2006/main" xmlns:r="http://schemas.openxmlformats.org/officeDocument/2006/relationships" xmlns:p="http://schemas.openxmlformats.org/presentationml/2006/main">
   <p:cSld>
     <p:bg>

--- a/resources/soundcloud.pptx
+++ b/resources/soundcloud.pptx
@@ -8,7 +8,8 @@
     <p:sldId id="256" r:id="rId2"/>
     <p:sldId id="259" r:id="rId3"/>
     <p:sldId id="260" r:id="rId4"/>
-    <p:sldId id="258" r:id="rId5"/>
+    <p:sldId id="261" r:id="rId5"/>
+    <p:sldId id="258" r:id="rId6"/>
   </p:sldIdLst>
   <p:sldSz cx="4572000" cy="4572000"/>
   <p:notesSz cx="6858000" cy="9144000"/>
@@ -109,7 +110,7 @@
   </p:defaultTextStyle>
   <p:extLst>
     <p:ext uri="{EFAFB233-063F-42B5-8137-9DF3F51BA10A}">
-      <p15:sldGuideLst xmlns:p15="http://schemas.microsoft.com/office/powerpoint/2012/main">
+      <p15:sldGuideLst xmlns:p15="http://schemas.microsoft.com/office/powerpoint/2012/main" xmlns="">
         <p15:guide id="1" orient="horz" pos="1440">
           <p15:clr>
             <a:srgbClr val="A4A3A4"/>
@@ -307,7 +308,7 @@
           <a:p>
             <a:fld id="{226C7FB1-4831-6A4C-9DF2-6EA9AA49499B}" type="datetimeFigureOut">
               <a:rPr lang="en-US" smtClean="0"/>
-              <a:t>10/2/17</a:t>
+              <a:t>10/28/17</a:t>
             </a:fld>
             <a:endParaRPr lang="en-US"/>
           </a:p>
@@ -477,7 +478,7 @@
           <a:p>
             <a:fld id="{226C7FB1-4831-6A4C-9DF2-6EA9AA49499B}" type="datetimeFigureOut">
               <a:rPr lang="en-US" smtClean="0"/>
-              <a:t>10/2/17</a:t>
+              <a:t>10/28/17</a:t>
             </a:fld>
             <a:endParaRPr lang="en-US"/>
           </a:p>
@@ -657,7 +658,7 @@
           <a:p>
             <a:fld id="{226C7FB1-4831-6A4C-9DF2-6EA9AA49499B}" type="datetimeFigureOut">
               <a:rPr lang="en-US" smtClean="0"/>
-              <a:t>10/2/17</a:t>
+              <a:t>10/28/17</a:t>
             </a:fld>
             <a:endParaRPr lang="en-US"/>
           </a:p>
@@ -827,7 +828,7 @@
           <a:p>
             <a:fld id="{226C7FB1-4831-6A4C-9DF2-6EA9AA49499B}" type="datetimeFigureOut">
               <a:rPr lang="en-US" smtClean="0"/>
-              <a:t>10/2/17</a:t>
+              <a:t>10/28/17</a:t>
             </a:fld>
             <a:endParaRPr lang="en-US"/>
           </a:p>
@@ -1073,7 +1074,7 @@
           <a:p>
             <a:fld id="{226C7FB1-4831-6A4C-9DF2-6EA9AA49499B}" type="datetimeFigureOut">
               <a:rPr lang="en-US" smtClean="0"/>
-              <a:t>10/2/17</a:t>
+              <a:t>10/28/17</a:t>
             </a:fld>
             <a:endParaRPr lang="en-US"/>
           </a:p>
@@ -1361,7 +1362,7 @@
           <a:p>
             <a:fld id="{226C7FB1-4831-6A4C-9DF2-6EA9AA49499B}" type="datetimeFigureOut">
               <a:rPr lang="en-US" smtClean="0"/>
-              <a:t>10/2/17</a:t>
+              <a:t>10/28/17</a:t>
             </a:fld>
             <a:endParaRPr lang="en-US"/>
           </a:p>
@@ -1788,7 +1789,7 @@
           <a:p>
             <a:fld id="{226C7FB1-4831-6A4C-9DF2-6EA9AA49499B}" type="datetimeFigureOut">
               <a:rPr lang="en-US" smtClean="0"/>
-              <a:t>10/2/17</a:t>
+              <a:t>10/28/17</a:t>
             </a:fld>
             <a:endParaRPr lang="en-US"/>
           </a:p>
@@ -1906,7 +1907,7 @@
           <a:p>
             <a:fld id="{226C7FB1-4831-6A4C-9DF2-6EA9AA49499B}" type="datetimeFigureOut">
               <a:rPr lang="en-US" smtClean="0"/>
-              <a:t>10/2/17</a:t>
+              <a:t>10/28/17</a:t>
             </a:fld>
             <a:endParaRPr lang="en-US"/>
           </a:p>
@@ -2001,7 +2002,7 @@
           <a:p>
             <a:fld id="{226C7FB1-4831-6A4C-9DF2-6EA9AA49499B}" type="datetimeFigureOut">
               <a:rPr lang="en-US" smtClean="0"/>
-              <a:t>10/2/17</a:t>
+              <a:t>10/28/17</a:t>
             </a:fld>
             <a:endParaRPr lang="en-US"/>
           </a:p>
@@ -2278,7 +2279,7 @@
           <a:p>
             <a:fld id="{226C7FB1-4831-6A4C-9DF2-6EA9AA49499B}" type="datetimeFigureOut">
               <a:rPr lang="en-US" smtClean="0"/>
-              <a:t>10/2/17</a:t>
+              <a:t>10/28/17</a:t>
             </a:fld>
             <a:endParaRPr lang="en-US"/>
           </a:p>
@@ -2531,7 +2532,7 @@
           <a:p>
             <a:fld id="{226C7FB1-4831-6A4C-9DF2-6EA9AA49499B}" type="datetimeFigureOut">
               <a:rPr lang="en-US" smtClean="0"/>
-              <a:t>10/2/17</a:t>
+              <a:t>10/28/17</a:t>
             </a:fld>
             <a:endParaRPr lang="en-US"/>
           </a:p>
@@ -2744,7 +2745,7 @@
           <a:p>
             <a:fld id="{226C7FB1-4831-6A4C-9DF2-6EA9AA49499B}" type="datetimeFigureOut">
               <a:rPr lang="en-US" smtClean="0"/>
-              <a:t>10/2/17</a:t>
+              <a:t>10/28/17</a:t>
             </a:fld>
             <a:endParaRPr lang="en-US"/>
           </a:p>
@@ -3441,6 +3442,127 @@
 </file>
 
 <file path=ppt/slides/slide4.xml><?xml version="1.0" encoding="utf-8"?>
+<p:sld xmlns:a="http://schemas.openxmlformats.org/drawingml/2006/main" xmlns:r="http://schemas.openxmlformats.org/officeDocument/2006/relationships" xmlns:p="http://schemas.openxmlformats.org/presentationml/2006/main">
+  <p:cSld>
+    <p:bg>
+      <p:bgPr>
+        <a:solidFill>
+          <a:srgbClr val="00009A"/>
+        </a:solidFill>
+        <a:effectLst/>
+      </p:bgPr>
+    </p:bg>
+    <p:spTree>
+      <p:nvGrpSpPr>
+        <p:cNvPr id="1" name=""/>
+        <p:cNvGrpSpPr/>
+        <p:nvPr/>
+      </p:nvGrpSpPr>
+      <p:grpSpPr>
+        <a:xfrm>
+          <a:off x="0" y="0"/>
+          <a:ext cx="0" cy="0"/>
+          <a:chOff x="0" y="0"/>
+          <a:chExt cx="0" cy="0"/>
+        </a:xfrm>
+      </p:grpSpPr>
+      <p:sp>
+        <p:nvSpPr>
+          <p:cNvPr id="2" name="Title 1"/>
+          <p:cNvSpPr>
+            <a:spLocks noGrp="1"/>
+          </p:cNvSpPr>
+          <p:nvPr>
+            <p:ph type="ctrTitle"/>
+          </p:nvPr>
+        </p:nvSpPr>
+        <p:spPr>
+          <a:xfrm>
+            <a:off x="0" y="173918"/>
+            <a:ext cx="4578662" cy="4163620"/>
+          </a:xfrm>
+        </p:spPr>
+        <p:txBody>
+          <a:bodyPr>
+            <a:noAutofit/>
+          </a:bodyPr>
+          <a:lstStyle/>
+          <a:p>
+            <a:r>
+              <a:rPr lang="en-US" sz="9600" b="1" dirty="0">
+                <a:solidFill>
+                  <a:schemeClr val="bg1">
+                    <a:lumMod val="75000"/>
+                  </a:schemeClr>
+                </a:solidFill>
+              </a:rPr>
+              <a:t>HSJ</a:t>
+            </a:r>
+            <a:br>
+              <a:rPr lang="en-US" sz="9600" b="1" dirty="0">
+                <a:solidFill>
+                  <a:schemeClr val="bg1">
+                    <a:lumMod val="75000"/>
+                  </a:schemeClr>
+                </a:solidFill>
+              </a:rPr>
+            </a:br>
+            <a:r>
+              <a:rPr lang="en-US" sz="9600" b="1" dirty="0" smtClean="0">
+                <a:solidFill>
+                  <a:schemeClr val="bg1">
+                    <a:lumMod val="75000"/>
+                  </a:schemeClr>
+                </a:solidFill>
+              </a:rPr>
+              <a:t>Oct</a:t>
+            </a:r>
+            <a:r>
+              <a:rPr lang="en-US" sz="9600" b="1" dirty="0">
+                <a:solidFill>
+                  <a:schemeClr val="bg1">
+                    <a:lumMod val="75000"/>
+                  </a:schemeClr>
+                </a:solidFill>
+              </a:rPr>
+              <a:t/>
+            </a:r>
+            <a:br>
+              <a:rPr lang="en-US" sz="9600" b="1" dirty="0">
+                <a:solidFill>
+                  <a:schemeClr val="bg1">
+                    <a:lumMod val="75000"/>
+                  </a:schemeClr>
+                </a:solidFill>
+              </a:rPr>
+            </a:br>
+            <a:r>
+              <a:rPr lang="en-US" sz="9600" b="1" dirty="0">
+                <a:solidFill>
+                  <a:schemeClr val="bg1">
+                    <a:lumMod val="75000"/>
+                  </a:schemeClr>
+                </a:solidFill>
+              </a:rPr>
+              <a:t>2017</a:t>
+            </a:r>
+          </a:p>
+        </p:txBody>
+      </p:sp>
+    </p:spTree>
+    <p:extLst>
+      <p:ext uri="{BB962C8B-B14F-4D97-AF65-F5344CB8AC3E}">
+        <p14:creationId xmlns:p14="http://schemas.microsoft.com/office/powerpoint/2010/main" val="3517783805"/>
+      </p:ext>
+    </p:extLst>
+  </p:cSld>
+  <p:clrMapOvr>
+    <a:masterClrMapping/>
+  </p:clrMapOvr>
+</p:sld>
+</file>
+
+<file path=ppt/slides/slide5.xml><?xml version="1.0" encoding="utf-8"?>
 <p:sld xmlns:a="http://schemas.openxmlformats.org/drawingml/2006/main" xmlns:r="http://schemas.openxmlformats.org/officeDocument/2006/relationships" xmlns:p="http://schemas.openxmlformats.org/presentationml/2006/main">
   <p:cSld>
     <p:bg>

--- a/resources/soundcloud.pptx
+++ b/resources/soundcloud.pptx
@@ -7,9 +7,10 @@
   <p:sldIdLst>
     <p:sldId id="256" r:id="rId2"/>
     <p:sldId id="259" r:id="rId3"/>
-    <p:sldId id="260" r:id="rId4"/>
-    <p:sldId id="261" r:id="rId5"/>
-    <p:sldId id="258" r:id="rId6"/>
+    <p:sldId id="262" r:id="rId4"/>
+    <p:sldId id="260" r:id="rId5"/>
+    <p:sldId id="261" r:id="rId6"/>
+    <p:sldId id="258" r:id="rId7"/>
   </p:sldIdLst>
   <p:sldSz cx="4572000" cy="4572000"/>
   <p:notesSz cx="6858000" cy="9144000"/>
@@ -110,7 +111,7 @@
   </p:defaultTextStyle>
   <p:extLst>
     <p:ext uri="{EFAFB233-063F-42B5-8137-9DF3F51BA10A}">
-      <p15:sldGuideLst xmlns:p15="http://schemas.microsoft.com/office/powerpoint/2012/main" xmlns="">
+      <p15:sldGuideLst xmlns:p15="http://schemas.microsoft.com/office/powerpoint/2012/main">
         <p15:guide id="1" orient="horz" pos="1440">
           <p15:clr>
             <a:srgbClr val="A4A3A4"/>
@@ -165,10 +166,9 @@
           <a:lstStyle/>
           <a:p>
             <a:r>
-              <a:rPr lang="en-US" smtClean="0"/>
+              <a:rPr lang="en-US"/>
               <a:t>Click to edit Master title style</a:t>
             </a:r>
-            <a:endParaRPr lang="en-US"/>
           </a:p>
         </p:txBody>
       </p:sp>
@@ -284,10 +284,9 @@
           </a:lstStyle>
           <a:p>
             <a:r>
-              <a:rPr lang="en-US" smtClean="0"/>
+              <a:rPr lang="en-US"/>
               <a:t>Click to edit Master subtitle style</a:t>
             </a:r>
-            <a:endParaRPr lang="en-US"/>
           </a:p>
         </p:txBody>
       </p:sp>
@@ -308,7 +307,7 @@
           <a:p>
             <a:fld id="{226C7FB1-4831-6A4C-9DF2-6EA9AA49499B}" type="datetimeFigureOut">
               <a:rPr lang="en-US" smtClean="0"/>
-              <a:t>10/28/17</a:t>
+              <a:t>3/5/18</a:t>
             </a:fld>
             <a:endParaRPr lang="en-US"/>
           </a:p>
@@ -402,10 +401,9 @@
           <a:lstStyle/>
           <a:p>
             <a:r>
-              <a:rPr lang="en-US" smtClean="0"/>
+              <a:rPr lang="en-US"/>
               <a:t>Click to edit Master title style</a:t>
             </a:r>
-            <a:endParaRPr lang="en-US"/>
           </a:p>
         </p:txBody>
       </p:sp>
@@ -426,38 +424,37 @@
           <a:p>
             <a:pPr lvl="0"/>
             <a:r>
-              <a:rPr lang="en-US" smtClean="0"/>
+              <a:rPr lang="en-US"/>
               <a:t>Click to edit Master text styles</a:t>
             </a:r>
           </a:p>
           <a:p>
             <a:pPr lvl="1"/>
             <a:r>
-              <a:rPr lang="en-US" smtClean="0"/>
+              <a:rPr lang="en-US"/>
               <a:t>Second level</a:t>
             </a:r>
           </a:p>
           <a:p>
             <a:pPr lvl="2"/>
             <a:r>
-              <a:rPr lang="en-US" smtClean="0"/>
+              <a:rPr lang="en-US"/>
               <a:t>Third level</a:t>
             </a:r>
           </a:p>
           <a:p>
             <a:pPr lvl="3"/>
             <a:r>
-              <a:rPr lang="en-US" smtClean="0"/>
+              <a:rPr lang="en-US"/>
               <a:t>Fourth level</a:t>
             </a:r>
           </a:p>
           <a:p>
             <a:pPr lvl="4"/>
             <a:r>
-              <a:rPr lang="en-US" smtClean="0"/>
+              <a:rPr lang="en-US"/>
               <a:t>Fifth level</a:t>
             </a:r>
-            <a:endParaRPr lang="en-US"/>
           </a:p>
         </p:txBody>
       </p:sp>
@@ -478,7 +475,7 @@
           <a:p>
             <a:fld id="{226C7FB1-4831-6A4C-9DF2-6EA9AA49499B}" type="datetimeFigureOut">
               <a:rPr lang="en-US" smtClean="0"/>
-              <a:t>10/28/17</a:t>
+              <a:t>3/5/18</a:t>
             </a:fld>
             <a:endParaRPr lang="en-US"/>
           </a:p>
@@ -577,10 +574,9 @@
           <a:lstStyle/>
           <a:p>
             <a:r>
-              <a:rPr lang="en-US" smtClean="0"/>
+              <a:rPr lang="en-US"/>
               <a:t>Click to edit Master title style</a:t>
             </a:r>
-            <a:endParaRPr lang="en-US"/>
           </a:p>
         </p:txBody>
       </p:sp>
@@ -606,38 +602,37 @@
           <a:p>
             <a:pPr lvl="0"/>
             <a:r>
-              <a:rPr lang="en-US" smtClean="0"/>
+              <a:rPr lang="en-US"/>
               <a:t>Click to edit Master text styles</a:t>
             </a:r>
           </a:p>
           <a:p>
             <a:pPr lvl="1"/>
             <a:r>
-              <a:rPr lang="en-US" smtClean="0"/>
+              <a:rPr lang="en-US"/>
               <a:t>Second level</a:t>
             </a:r>
           </a:p>
           <a:p>
             <a:pPr lvl="2"/>
             <a:r>
-              <a:rPr lang="en-US" smtClean="0"/>
+              <a:rPr lang="en-US"/>
               <a:t>Third level</a:t>
             </a:r>
           </a:p>
           <a:p>
             <a:pPr lvl="3"/>
             <a:r>
-              <a:rPr lang="en-US" smtClean="0"/>
+              <a:rPr lang="en-US"/>
               <a:t>Fourth level</a:t>
             </a:r>
           </a:p>
           <a:p>
             <a:pPr lvl="4"/>
             <a:r>
-              <a:rPr lang="en-US" smtClean="0"/>
+              <a:rPr lang="en-US"/>
               <a:t>Fifth level</a:t>
             </a:r>
-            <a:endParaRPr lang="en-US"/>
           </a:p>
         </p:txBody>
       </p:sp>
@@ -658,7 +653,7 @@
           <a:p>
             <a:fld id="{226C7FB1-4831-6A4C-9DF2-6EA9AA49499B}" type="datetimeFigureOut">
               <a:rPr lang="en-US" smtClean="0"/>
-              <a:t>10/28/17</a:t>
+              <a:t>3/5/18</a:t>
             </a:fld>
             <a:endParaRPr lang="en-US"/>
           </a:p>
@@ -752,10 +747,9 @@
           <a:lstStyle/>
           <a:p>
             <a:r>
-              <a:rPr lang="en-US" smtClean="0"/>
+              <a:rPr lang="en-US"/>
               <a:t>Click to edit Master title style</a:t>
             </a:r>
-            <a:endParaRPr lang="en-US"/>
           </a:p>
         </p:txBody>
       </p:sp>
@@ -776,38 +770,37 @@
           <a:p>
             <a:pPr lvl="0"/>
             <a:r>
-              <a:rPr lang="en-US" smtClean="0"/>
+              <a:rPr lang="en-US"/>
               <a:t>Click to edit Master text styles</a:t>
             </a:r>
           </a:p>
           <a:p>
             <a:pPr lvl="1"/>
             <a:r>
-              <a:rPr lang="en-US" smtClean="0"/>
+              <a:rPr lang="en-US"/>
               <a:t>Second level</a:t>
             </a:r>
           </a:p>
           <a:p>
             <a:pPr lvl="2"/>
             <a:r>
-              <a:rPr lang="en-US" smtClean="0"/>
+              <a:rPr lang="en-US"/>
               <a:t>Third level</a:t>
             </a:r>
           </a:p>
           <a:p>
             <a:pPr lvl="3"/>
             <a:r>
-              <a:rPr lang="en-US" smtClean="0"/>
+              <a:rPr lang="en-US"/>
               <a:t>Fourth level</a:t>
             </a:r>
           </a:p>
           <a:p>
             <a:pPr lvl="4"/>
             <a:r>
-              <a:rPr lang="en-US" smtClean="0"/>
+              <a:rPr lang="en-US"/>
               <a:t>Fifth level</a:t>
             </a:r>
-            <a:endParaRPr lang="en-US"/>
           </a:p>
         </p:txBody>
       </p:sp>
@@ -828,7 +821,7 @@
           <a:p>
             <a:fld id="{226C7FB1-4831-6A4C-9DF2-6EA9AA49499B}" type="datetimeFigureOut">
               <a:rPr lang="en-US" smtClean="0"/>
-              <a:t>10/28/17</a:t>
+              <a:t>3/5/18</a:t>
             </a:fld>
             <a:endParaRPr lang="en-US"/>
           </a:p>
@@ -931,10 +924,9 @@
           </a:lstStyle>
           <a:p>
             <a:r>
-              <a:rPr lang="en-US" smtClean="0"/>
+              <a:rPr lang="en-US"/>
               <a:t>Click to edit Master title style</a:t>
             </a:r>
-            <a:endParaRPr lang="en-US"/>
           </a:p>
         </p:txBody>
       </p:sp>
@@ -1051,7 +1043,7 @@
           <a:p>
             <a:pPr lvl="0"/>
             <a:r>
-              <a:rPr lang="en-US" smtClean="0"/>
+              <a:rPr lang="en-US"/>
               <a:t>Click to edit Master text styles</a:t>
             </a:r>
           </a:p>
@@ -1074,7 +1066,7 @@
           <a:p>
             <a:fld id="{226C7FB1-4831-6A4C-9DF2-6EA9AA49499B}" type="datetimeFigureOut">
               <a:rPr lang="en-US" smtClean="0"/>
-              <a:t>10/28/17</a:t>
+              <a:t>3/5/18</a:t>
             </a:fld>
             <a:endParaRPr lang="en-US"/>
           </a:p>
@@ -1168,10 +1160,9 @@
           <a:lstStyle/>
           <a:p>
             <a:r>
-              <a:rPr lang="en-US" smtClean="0"/>
+              <a:rPr lang="en-US"/>
               <a:t>Click to edit Master title style</a:t>
             </a:r>
-            <a:endParaRPr lang="en-US"/>
           </a:p>
         </p:txBody>
       </p:sp>
@@ -1225,38 +1216,37 @@
           <a:p>
             <a:pPr lvl="0"/>
             <a:r>
-              <a:rPr lang="en-US" smtClean="0"/>
+              <a:rPr lang="en-US"/>
               <a:t>Click to edit Master text styles</a:t>
             </a:r>
           </a:p>
           <a:p>
             <a:pPr lvl="1"/>
             <a:r>
-              <a:rPr lang="en-US" smtClean="0"/>
+              <a:rPr lang="en-US"/>
               <a:t>Second level</a:t>
             </a:r>
           </a:p>
           <a:p>
             <a:pPr lvl="2"/>
             <a:r>
-              <a:rPr lang="en-US" smtClean="0"/>
+              <a:rPr lang="en-US"/>
               <a:t>Third level</a:t>
             </a:r>
           </a:p>
           <a:p>
             <a:pPr lvl="3"/>
             <a:r>
-              <a:rPr lang="en-US" smtClean="0"/>
+              <a:rPr lang="en-US"/>
               <a:t>Fourth level</a:t>
             </a:r>
           </a:p>
           <a:p>
             <a:pPr lvl="4"/>
             <a:r>
-              <a:rPr lang="en-US" smtClean="0"/>
+              <a:rPr lang="en-US"/>
               <a:t>Fifth level</a:t>
             </a:r>
-            <a:endParaRPr lang="en-US"/>
           </a:p>
         </p:txBody>
       </p:sp>
@@ -1310,38 +1300,37 @@
           <a:p>
             <a:pPr lvl="0"/>
             <a:r>
-              <a:rPr lang="en-US" smtClean="0"/>
+              <a:rPr lang="en-US"/>
               <a:t>Click to edit Master text styles</a:t>
             </a:r>
           </a:p>
           <a:p>
             <a:pPr lvl="1"/>
             <a:r>
-              <a:rPr lang="en-US" smtClean="0"/>
+              <a:rPr lang="en-US"/>
               <a:t>Second level</a:t>
             </a:r>
           </a:p>
           <a:p>
             <a:pPr lvl="2"/>
             <a:r>
-              <a:rPr lang="en-US" smtClean="0"/>
+              <a:rPr lang="en-US"/>
               <a:t>Third level</a:t>
             </a:r>
           </a:p>
           <a:p>
             <a:pPr lvl="3"/>
             <a:r>
-              <a:rPr lang="en-US" smtClean="0"/>
+              <a:rPr lang="en-US"/>
               <a:t>Fourth level</a:t>
             </a:r>
           </a:p>
           <a:p>
             <a:pPr lvl="4"/>
             <a:r>
-              <a:rPr lang="en-US" smtClean="0"/>
+              <a:rPr lang="en-US"/>
               <a:t>Fifth level</a:t>
             </a:r>
-            <a:endParaRPr lang="en-US"/>
           </a:p>
         </p:txBody>
       </p:sp>
@@ -1362,7 +1351,7 @@
           <a:p>
             <a:fld id="{226C7FB1-4831-6A4C-9DF2-6EA9AA49499B}" type="datetimeFigureOut">
               <a:rPr lang="en-US" smtClean="0"/>
-              <a:t>10/28/17</a:t>
+              <a:t>3/5/18</a:t>
             </a:fld>
             <a:endParaRPr lang="en-US"/>
           </a:p>
@@ -1465,10 +1454,9 @@
           </a:lstStyle>
           <a:p>
             <a:r>
-              <a:rPr lang="en-US" smtClean="0"/>
+              <a:rPr lang="en-US"/>
               <a:t>Click to edit Master title style</a:t>
             </a:r>
-            <a:endParaRPr lang="en-US"/>
           </a:p>
         </p:txBody>
       </p:sp>
@@ -1531,7 +1519,7 @@
           <a:p>
             <a:pPr lvl="0"/>
             <a:r>
-              <a:rPr lang="en-US" smtClean="0"/>
+              <a:rPr lang="en-US"/>
               <a:t>Click to edit Master text styles</a:t>
             </a:r>
           </a:p>
@@ -1587,38 +1575,37 @@
           <a:p>
             <a:pPr lvl="0"/>
             <a:r>
-              <a:rPr lang="en-US" smtClean="0"/>
+              <a:rPr lang="en-US"/>
               <a:t>Click to edit Master text styles</a:t>
             </a:r>
           </a:p>
           <a:p>
             <a:pPr lvl="1"/>
             <a:r>
-              <a:rPr lang="en-US" smtClean="0"/>
+              <a:rPr lang="en-US"/>
               <a:t>Second level</a:t>
             </a:r>
           </a:p>
           <a:p>
             <a:pPr lvl="2"/>
             <a:r>
-              <a:rPr lang="en-US" smtClean="0"/>
+              <a:rPr lang="en-US"/>
               <a:t>Third level</a:t>
             </a:r>
           </a:p>
           <a:p>
             <a:pPr lvl="3"/>
             <a:r>
-              <a:rPr lang="en-US" smtClean="0"/>
+              <a:rPr lang="en-US"/>
               <a:t>Fourth level</a:t>
             </a:r>
           </a:p>
           <a:p>
             <a:pPr lvl="4"/>
             <a:r>
-              <a:rPr lang="en-US" smtClean="0"/>
+              <a:rPr lang="en-US"/>
               <a:t>Fifth level</a:t>
             </a:r>
-            <a:endParaRPr lang="en-US"/>
           </a:p>
         </p:txBody>
       </p:sp>
@@ -1681,7 +1668,7 @@
           <a:p>
             <a:pPr lvl="0"/>
             <a:r>
-              <a:rPr lang="en-US" smtClean="0"/>
+              <a:rPr lang="en-US"/>
               <a:t>Click to edit Master text styles</a:t>
             </a:r>
           </a:p>
@@ -1737,38 +1724,37 @@
           <a:p>
             <a:pPr lvl="0"/>
             <a:r>
-              <a:rPr lang="en-US" smtClean="0"/>
+              <a:rPr lang="en-US"/>
               <a:t>Click to edit Master text styles</a:t>
             </a:r>
           </a:p>
           <a:p>
             <a:pPr lvl="1"/>
             <a:r>
-              <a:rPr lang="en-US" smtClean="0"/>
+              <a:rPr lang="en-US"/>
               <a:t>Second level</a:t>
             </a:r>
           </a:p>
           <a:p>
             <a:pPr lvl="2"/>
             <a:r>
-              <a:rPr lang="en-US" smtClean="0"/>
+              <a:rPr lang="en-US"/>
               <a:t>Third level</a:t>
             </a:r>
           </a:p>
           <a:p>
             <a:pPr lvl="3"/>
             <a:r>
-              <a:rPr lang="en-US" smtClean="0"/>
+              <a:rPr lang="en-US"/>
               <a:t>Fourth level</a:t>
             </a:r>
           </a:p>
           <a:p>
             <a:pPr lvl="4"/>
             <a:r>
-              <a:rPr lang="en-US" smtClean="0"/>
+              <a:rPr lang="en-US"/>
               <a:t>Fifth level</a:t>
             </a:r>
-            <a:endParaRPr lang="en-US"/>
           </a:p>
         </p:txBody>
       </p:sp>
@@ -1789,7 +1775,7 @@
           <a:p>
             <a:fld id="{226C7FB1-4831-6A4C-9DF2-6EA9AA49499B}" type="datetimeFigureOut">
               <a:rPr lang="en-US" smtClean="0"/>
-              <a:t>10/28/17</a:t>
+              <a:t>3/5/18</a:t>
             </a:fld>
             <a:endParaRPr lang="en-US"/>
           </a:p>
@@ -1883,10 +1869,9 @@
           <a:lstStyle/>
           <a:p>
             <a:r>
-              <a:rPr lang="en-US" smtClean="0"/>
+              <a:rPr lang="en-US"/>
               <a:t>Click to edit Master title style</a:t>
             </a:r>
-            <a:endParaRPr lang="en-US"/>
           </a:p>
         </p:txBody>
       </p:sp>
@@ -1907,7 +1892,7 @@
           <a:p>
             <a:fld id="{226C7FB1-4831-6A4C-9DF2-6EA9AA49499B}" type="datetimeFigureOut">
               <a:rPr lang="en-US" smtClean="0"/>
-              <a:t>10/28/17</a:t>
+              <a:t>3/5/18</a:t>
             </a:fld>
             <a:endParaRPr lang="en-US"/>
           </a:p>
@@ -2002,7 +1987,7 @@
           <a:p>
             <a:fld id="{226C7FB1-4831-6A4C-9DF2-6EA9AA49499B}" type="datetimeFigureOut">
               <a:rPr lang="en-US" smtClean="0"/>
-              <a:t>10/28/17</a:t>
+              <a:t>3/5/18</a:t>
             </a:fld>
             <a:endParaRPr lang="en-US"/>
           </a:p>
@@ -2105,10 +2090,9 @@
           </a:lstStyle>
           <a:p>
             <a:r>
-              <a:rPr lang="en-US" smtClean="0"/>
+              <a:rPr lang="en-US"/>
               <a:t>Click to edit Master title style</a:t>
             </a:r>
-            <a:endParaRPr lang="en-US"/>
           </a:p>
         </p:txBody>
       </p:sp>
@@ -2162,38 +2146,37 @@
           <a:p>
             <a:pPr lvl="0"/>
             <a:r>
-              <a:rPr lang="en-US" smtClean="0"/>
+              <a:rPr lang="en-US"/>
               <a:t>Click to edit Master text styles</a:t>
             </a:r>
           </a:p>
           <a:p>
             <a:pPr lvl="1"/>
             <a:r>
-              <a:rPr lang="en-US" smtClean="0"/>
+              <a:rPr lang="en-US"/>
               <a:t>Second level</a:t>
             </a:r>
           </a:p>
           <a:p>
             <a:pPr lvl="2"/>
             <a:r>
-              <a:rPr lang="en-US" smtClean="0"/>
+              <a:rPr lang="en-US"/>
               <a:t>Third level</a:t>
             </a:r>
           </a:p>
           <a:p>
             <a:pPr lvl="3"/>
             <a:r>
-              <a:rPr lang="en-US" smtClean="0"/>
+              <a:rPr lang="en-US"/>
               <a:t>Fourth level</a:t>
             </a:r>
           </a:p>
           <a:p>
             <a:pPr lvl="4"/>
             <a:r>
-              <a:rPr lang="en-US" smtClean="0"/>
+              <a:rPr lang="en-US"/>
               <a:t>Fifth level</a:t>
             </a:r>
-            <a:endParaRPr lang="en-US"/>
           </a:p>
         </p:txBody>
       </p:sp>
@@ -2256,7 +2239,7 @@
           <a:p>
             <a:pPr lvl="0"/>
             <a:r>
-              <a:rPr lang="en-US" smtClean="0"/>
+              <a:rPr lang="en-US"/>
               <a:t>Click to edit Master text styles</a:t>
             </a:r>
           </a:p>
@@ -2279,7 +2262,7 @@
           <a:p>
             <a:fld id="{226C7FB1-4831-6A4C-9DF2-6EA9AA49499B}" type="datetimeFigureOut">
               <a:rPr lang="en-US" smtClean="0"/>
-              <a:t>10/28/17</a:t>
+              <a:t>3/5/18</a:t>
             </a:fld>
             <a:endParaRPr lang="en-US"/>
           </a:p>
@@ -2382,10 +2365,9 @@
           </a:lstStyle>
           <a:p>
             <a:r>
-              <a:rPr lang="en-US" smtClean="0"/>
+              <a:rPr lang="en-US"/>
               <a:t>Click to edit Master title style</a:t>
             </a:r>
-            <a:endParaRPr lang="en-US"/>
           </a:p>
         </p:txBody>
       </p:sp>
@@ -2509,7 +2491,7 @@
           <a:p>
             <a:pPr lvl="0"/>
             <a:r>
-              <a:rPr lang="en-US" smtClean="0"/>
+              <a:rPr lang="en-US"/>
               <a:t>Click to edit Master text styles</a:t>
             </a:r>
           </a:p>
@@ -2532,7 +2514,7 @@
           <a:p>
             <a:fld id="{226C7FB1-4831-6A4C-9DF2-6EA9AA49499B}" type="datetimeFigureOut">
               <a:rPr lang="en-US" smtClean="0"/>
-              <a:t>10/28/17</a:t>
+              <a:t>3/5/18</a:t>
             </a:fld>
             <a:endParaRPr lang="en-US"/>
           </a:p>
@@ -2641,10 +2623,9 @@
           <a:lstStyle/>
           <a:p>
             <a:r>
-              <a:rPr lang="en-US" smtClean="0"/>
+              <a:rPr lang="en-US"/>
               <a:t>Click to edit Master title style</a:t>
             </a:r>
-            <a:endParaRPr lang="en-US"/>
           </a:p>
         </p:txBody>
       </p:sp>
@@ -2675,38 +2656,37 @@
           <a:p>
             <a:pPr lvl="0"/>
             <a:r>
-              <a:rPr lang="en-US" smtClean="0"/>
+              <a:rPr lang="en-US"/>
               <a:t>Click to edit Master text styles</a:t>
             </a:r>
           </a:p>
           <a:p>
             <a:pPr lvl="1"/>
             <a:r>
-              <a:rPr lang="en-US" smtClean="0"/>
+              <a:rPr lang="en-US"/>
               <a:t>Second level</a:t>
             </a:r>
           </a:p>
           <a:p>
             <a:pPr lvl="2"/>
             <a:r>
-              <a:rPr lang="en-US" smtClean="0"/>
+              <a:rPr lang="en-US"/>
               <a:t>Third level</a:t>
             </a:r>
           </a:p>
           <a:p>
             <a:pPr lvl="3"/>
             <a:r>
-              <a:rPr lang="en-US" smtClean="0"/>
+              <a:rPr lang="en-US"/>
               <a:t>Fourth level</a:t>
             </a:r>
           </a:p>
           <a:p>
             <a:pPr lvl="4"/>
             <a:r>
-              <a:rPr lang="en-US" smtClean="0"/>
+              <a:rPr lang="en-US"/>
               <a:t>Fifth level</a:t>
             </a:r>
-            <a:endParaRPr lang="en-US"/>
           </a:p>
         </p:txBody>
       </p:sp>
@@ -2745,7 +2725,7 @@
           <a:p>
             <a:fld id="{226C7FB1-4831-6A4C-9DF2-6EA9AA49499B}" type="datetimeFigureOut">
               <a:rPr lang="en-US" smtClean="0"/>
-              <a:t>10/28/17</a:t>
+              <a:t>3/5/18</a:t>
             </a:fld>
             <a:endParaRPr lang="en-US"/>
           </a:p>
@@ -3158,14 +3138,6 @@
               </a:rPr>
               <a:t>HSJ</a:t>
             </a:r>
-            <a:r>
-              <a:rPr lang="en-US" sz="9600" b="1" dirty="0">
-                <a:solidFill>
-                  <a:srgbClr val="FFFF00"/>
-                </a:solidFill>
-              </a:rPr>
-              <a:t/>
-            </a:r>
             <a:br>
               <a:rPr lang="en-US" sz="9600" b="1" dirty="0">
                 <a:solidFill>
@@ -3174,20 +3146,12 @@
               </a:rPr>
             </a:br>
             <a:r>
-              <a:rPr lang="en-US" sz="9600" b="1" dirty="0" smtClean="0">
+              <a:rPr lang="en-US" sz="9600" b="1" dirty="0">
                 <a:solidFill>
                   <a:schemeClr val="bg1"/>
                 </a:solidFill>
               </a:rPr>
               <a:t>July</a:t>
-            </a:r>
-            <a:r>
-              <a:rPr lang="en-US" sz="9600" b="1" dirty="0">
-                <a:solidFill>
-                  <a:srgbClr val="FFFF00"/>
-                </a:solidFill>
-              </a:rPr>
-              <a:t/>
             </a:r>
             <a:br>
               <a:rPr lang="en-US" sz="9600" b="1" dirty="0">
@@ -3286,20 +3250,12 @@
               </a:rPr>
             </a:br>
             <a:r>
-              <a:rPr lang="en-US" sz="9600" b="1" dirty="0" smtClean="0">
+              <a:rPr lang="en-US" sz="9600" b="1" dirty="0">
                 <a:solidFill>
                   <a:srgbClr val="C00000"/>
                 </a:solidFill>
               </a:rPr>
               <a:t>August</a:t>
-            </a:r>
-            <a:r>
-              <a:rPr lang="en-US" sz="9600" b="1" dirty="0">
-                <a:solidFill>
-                  <a:srgbClr val="C00000"/>
-                </a:solidFill>
-              </a:rPr>
-              <a:t/>
             </a:r>
             <a:br>
               <a:rPr lang="en-US" sz="9600" b="1" dirty="0">
@@ -3333,6 +3289,107 @@
 </file>
 
 <file path=ppt/slides/slide3.xml><?xml version="1.0" encoding="utf-8"?>
+<p:sld xmlns:a="http://schemas.openxmlformats.org/drawingml/2006/main" xmlns:r="http://schemas.openxmlformats.org/officeDocument/2006/relationships" xmlns:p="http://schemas.openxmlformats.org/presentationml/2006/main">
+  <p:cSld>
+    <p:bg>
+      <p:bgPr>
+        <a:solidFill>
+          <a:srgbClr val="00B050"/>
+        </a:solidFill>
+        <a:effectLst/>
+      </p:bgPr>
+    </p:bg>
+    <p:spTree>
+      <p:nvGrpSpPr>
+        <p:cNvPr id="1" name=""/>
+        <p:cNvGrpSpPr/>
+        <p:nvPr/>
+      </p:nvGrpSpPr>
+      <p:grpSpPr>
+        <a:xfrm>
+          <a:off x="0" y="0"/>
+          <a:ext cx="0" cy="0"/>
+          <a:chOff x="0" y="0"/>
+          <a:chExt cx="0" cy="0"/>
+        </a:xfrm>
+      </p:grpSpPr>
+      <p:sp>
+        <p:nvSpPr>
+          <p:cNvPr id="2" name="Title 1"/>
+          <p:cNvSpPr>
+            <a:spLocks noGrp="1"/>
+          </p:cNvSpPr>
+          <p:nvPr>
+            <p:ph type="ctrTitle"/>
+          </p:nvPr>
+        </p:nvSpPr>
+        <p:spPr>
+          <a:xfrm>
+            <a:off x="0" y="173918"/>
+            <a:ext cx="4578662" cy="4163620"/>
+          </a:xfrm>
+        </p:spPr>
+        <p:txBody>
+          <a:bodyPr>
+            <a:noAutofit/>
+          </a:bodyPr>
+          <a:lstStyle/>
+          <a:p>
+            <a:r>
+              <a:rPr lang="en-US" sz="9600" b="1" dirty="0">
+                <a:solidFill>
+                  <a:srgbClr val="FFFF00"/>
+                </a:solidFill>
+              </a:rPr>
+              <a:t>HSJ</a:t>
+            </a:r>
+            <a:br>
+              <a:rPr lang="en-US" sz="9600" b="1" dirty="0">
+                <a:solidFill>
+                  <a:srgbClr val="FFFF00"/>
+                </a:solidFill>
+              </a:rPr>
+            </a:br>
+            <a:r>
+              <a:rPr lang="en-US" sz="9600" b="1" dirty="0">
+                <a:solidFill>
+                  <a:srgbClr val="FFFF00"/>
+                </a:solidFill>
+              </a:rPr>
+              <a:t>January</a:t>
+            </a:r>
+            <a:br>
+              <a:rPr lang="en-US" sz="9600" b="1" dirty="0">
+                <a:solidFill>
+                  <a:srgbClr val="FFFF00"/>
+                </a:solidFill>
+              </a:rPr>
+            </a:br>
+            <a:r>
+              <a:rPr lang="en-US" sz="9600" b="1" dirty="0">
+                <a:solidFill>
+                  <a:srgbClr val="FFFF00"/>
+                </a:solidFill>
+              </a:rPr>
+              <a:t>2018</a:t>
+            </a:r>
+          </a:p>
+        </p:txBody>
+      </p:sp>
+    </p:spTree>
+    <p:extLst>
+      <p:ext uri="{BB962C8B-B14F-4D97-AF65-F5344CB8AC3E}">
+        <p14:creationId xmlns:p14="http://schemas.microsoft.com/office/powerpoint/2010/main" val="4232755163"/>
+      </p:ext>
+    </p:extLst>
+  </p:cSld>
+  <p:clrMapOvr>
+    <a:masterClrMapping/>
+  </p:clrMapOvr>
+</p:sld>
+</file>
+
+<file path=ppt/slides/slide4.xml><?xml version="1.0" encoding="utf-8"?>
 <p:sld xmlns:a="http://schemas.openxmlformats.org/drawingml/2006/main" xmlns:r="http://schemas.openxmlformats.org/officeDocument/2006/relationships" xmlns:p="http://schemas.openxmlformats.org/presentationml/2006/main">
   <p:cSld>
     <p:bg>
@@ -3395,20 +3452,12 @@
               </a:rPr>
             </a:br>
             <a:r>
-              <a:rPr lang="en-US" sz="9600" b="1" dirty="0" smtClean="0">
+              <a:rPr lang="en-US" sz="9600" b="1" dirty="0">
                 <a:solidFill>
                   <a:srgbClr val="FFFF00"/>
                 </a:solidFill>
               </a:rPr>
               <a:t>Sep</a:t>
-            </a:r>
-            <a:r>
-              <a:rPr lang="en-US" sz="9600" b="1" dirty="0">
-                <a:solidFill>
-                  <a:srgbClr val="FFFF00"/>
-                </a:solidFill>
-              </a:rPr>
-              <a:t/>
             </a:r>
             <a:br>
               <a:rPr lang="en-US" sz="9600" b="1" dirty="0">
@@ -3441,7 +3490,7 @@
 </p:sld>
 </file>
 
-<file path=ppt/slides/slide4.xml><?xml version="1.0" encoding="utf-8"?>
+<file path=ppt/slides/slide5.xml><?xml version="1.0" encoding="utf-8"?>
 <p:sld xmlns:a="http://schemas.openxmlformats.org/drawingml/2006/main" xmlns:r="http://schemas.openxmlformats.org/officeDocument/2006/relationships" xmlns:p="http://schemas.openxmlformats.org/presentationml/2006/main">
   <p:cSld>
     <p:bg>
@@ -3508,7 +3557,7 @@
               </a:rPr>
             </a:br>
             <a:r>
-              <a:rPr lang="en-US" sz="9600" b="1" dirty="0" smtClean="0">
+              <a:rPr lang="en-US" sz="9600" b="1" dirty="0">
                 <a:solidFill>
                   <a:schemeClr val="bg1">
                     <a:lumMod val="75000"/>
@@ -3516,16 +3565,6 @@
                 </a:solidFill>
               </a:rPr>
               <a:t>Oct</a:t>
-            </a:r>
-            <a:r>
-              <a:rPr lang="en-US" sz="9600" b="1" dirty="0">
-                <a:solidFill>
-                  <a:schemeClr val="bg1">
-                    <a:lumMod val="75000"/>
-                  </a:schemeClr>
-                </a:solidFill>
-              </a:rPr>
-              <a:t/>
             </a:r>
             <a:br>
               <a:rPr lang="en-US" sz="9600" b="1" dirty="0">
@@ -3562,7 +3601,7 @@
 </p:sld>
 </file>
 
-<file path=ppt/slides/slide5.xml><?xml version="1.0" encoding="utf-8"?>
+<file path=ppt/slides/slide6.xml><?xml version="1.0" encoding="utf-8"?>
 <p:sld xmlns:a="http://schemas.openxmlformats.org/drawingml/2006/main" xmlns:r="http://schemas.openxmlformats.org/officeDocument/2006/relationships" xmlns:p="http://schemas.openxmlformats.org/presentationml/2006/main">
   <p:cSld>
     <p:bg>
@@ -3610,7 +3649,7 @@
           <a:lstStyle/>
           <a:p>
             <a:r>
-              <a:rPr lang="en-US" sz="9600" b="1" dirty="0" smtClean="0">
+              <a:rPr lang="en-US" sz="9600" b="1" dirty="0">
                 <a:solidFill>
                   <a:srgbClr val="FF0000"/>
                 </a:solidFill>
@@ -3618,14 +3657,14 @@
               <a:t>491</a:t>
             </a:r>
             <a:br>
-              <a:rPr lang="en-US" sz="9600" b="1" dirty="0" smtClean="0">
+              <a:rPr lang="en-US" sz="9600" b="1" dirty="0">
                 <a:solidFill>
                   <a:srgbClr val="FF0000"/>
                 </a:solidFill>
               </a:rPr>
             </a:br>
             <a:r>
-              <a:rPr lang="en-US" sz="9600" b="1" dirty="0" smtClean="0">
+              <a:rPr lang="en-US" sz="9600" b="1" dirty="0">
                 <a:solidFill>
                   <a:srgbClr val="FF0000"/>
                 </a:solidFill>

--- a/resources/soundcloud.pptx
+++ b/resources/soundcloud.pptx
@@ -8,9 +8,10 @@
     <p:sldId id="256" r:id="rId2"/>
     <p:sldId id="259" r:id="rId3"/>
     <p:sldId id="262" r:id="rId4"/>
-    <p:sldId id="260" r:id="rId5"/>
-    <p:sldId id="261" r:id="rId6"/>
-    <p:sldId id="258" r:id="rId7"/>
+    <p:sldId id="263" r:id="rId5"/>
+    <p:sldId id="260" r:id="rId6"/>
+    <p:sldId id="261" r:id="rId7"/>
+    <p:sldId id="258" r:id="rId8"/>
   </p:sldIdLst>
   <p:sldSz cx="4572000" cy="4572000"/>
   <p:notesSz cx="6858000" cy="9144000"/>
@@ -307,7 +308,7 @@
           <a:p>
             <a:fld id="{226C7FB1-4831-6A4C-9DF2-6EA9AA49499B}" type="datetimeFigureOut">
               <a:rPr lang="en-US" smtClean="0"/>
-              <a:t>3/5/18</a:t>
+              <a:t>4/9/18</a:t>
             </a:fld>
             <a:endParaRPr lang="en-US"/>
           </a:p>
@@ -475,7 +476,7 @@
           <a:p>
             <a:fld id="{226C7FB1-4831-6A4C-9DF2-6EA9AA49499B}" type="datetimeFigureOut">
               <a:rPr lang="en-US" smtClean="0"/>
-              <a:t>3/5/18</a:t>
+              <a:t>4/9/18</a:t>
             </a:fld>
             <a:endParaRPr lang="en-US"/>
           </a:p>
@@ -653,7 +654,7 @@
           <a:p>
             <a:fld id="{226C7FB1-4831-6A4C-9DF2-6EA9AA49499B}" type="datetimeFigureOut">
               <a:rPr lang="en-US" smtClean="0"/>
-              <a:t>3/5/18</a:t>
+              <a:t>4/9/18</a:t>
             </a:fld>
             <a:endParaRPr lang="en-US"/>
           </a:p>
@@ -821,7 +822,7 @@
           <a:p>
             <a:fld id="{226C7FB1-4831-6A4C-9DF2-6EA9AA49499B}" type="datetimeFigureOut">
               <a:rPr lang="en-US" smtClean="0"/>
-              <a:t>3/5/18</a:t>
+              <a:t>4/9/18</a:t>
             </a:fld>
             <a:endParaRPr lang="en-US"/>
           </a:p>
@@ -1066,7 +1067,7 @@
           <a:p>
             <a:fld id="{226C7FB1-4831-6A4C-9DF2-6EA9AA49499B}" type="datetimeFigureOut">
               <a:rPr lang="en-US" smtClean="0"/>
-              <a:t>3/5/18</a:t>
+              <a:t>4/9/18</a:t>
             </a:fld>
             <a:endParaRPr lang="en-US"/>
           </a:p>
@@ -1351,7 +1352,7 @@
           <a:p>
             <a:fld id="{226C7FB1-4831-6A4C-9DF2-6EA9AA49499B}" type="datetimeFigureOut">
               <a:rPr lang="en-US" smtClean="0"/>
-              <a:t>3/5/18</a:t>
+              <a:t>4/9/18</a:t>
             </a:fld>
             <a:endParaRPr lang="en-US"/>
           </a:p>
@@ -1775,7 +1776,7 @@
           <a:p>
             <a:fld id="{226C7FB1-4831-6A4C-9DF2-6EA9AA49499B}" type="datetimeFigureOut">
               <a:rPr lang="en-US" smtClean="0"/>
-              <a:t>3/5/18</a:t>
+              <a:t>4/9/18</a:t>
             </a:fld>
             <a:endParaRPr lang="en-US"/>
           </a:p>
@@ -1892,7 +1893,7 @@
           <a:p>
             <a:fld id="{226C7FB1-4831-6A4C-9DF2-6EA9AA49499B}" type="datetimeFigureOut">
               <a:rPr lang="en-US" smtClean="0"/>
-              <a:t>3/5/18</a:t>
+              <a:t>4/9/18</a:t>
             </a:fld>
             <a:endParaRPr lang="en-US"/>
           </a:p>
@@ -1987,7 +1988,7 @@
           <a:p>
             <a:fld id="{226C7FB1-4831-6A4C-9DF2-6EA9AA49499B}" type="datetimeFigureOut">
               <a:rPr lang="en-US" smtClean="0"/>
-              <a:t>3/5/18</a:t>
+              <a:t>4/9/18</a:t>
             </a:fld>
             <a:endParaRPr lang="en-US"/>
           </a:p>
@@ -2262,7 +2263,7 @@
           <a:p>
             <a:fld id="{226C7FB1-4831-6A4C-9DF2-6EA9AA49499B}" type="datetimeFigureOut">
               <a:rPr lang="en-US" smtClean="0"/>
-              <a:t>3/5/18</a:t>
+              <a:t>4/9/18</a:t>
             </a:fld>
             <a:endParaRPr lang="en-US"/>
           </a:p>
@@ -2514,7 +2515,7 @@
           <a:p>
             <a:fld id="{226C7FB1-4831-6A4C-9DF2-6EA9AA49499B}" type="datetimeFigureOut">
               <a:rPr lang="en-US" smtClean="0"/>
-              <a:t>3/5/18</a:t>
+              <a:t>4/9/18</a:t>
             </a:fld>
             <a:endParaRPr lang="en-US"/>
           </a:p>
@@ -2725,7 +2726,7 @@
           <a:p>
             <a:fld id="{226C7FB1-4831-6A4C-9DF2-6EA9AA49499B}" type="datetimeFigureOut">
               <a:rPr lang="en-US" smtClean="0"/>
-              <a:t>3/5/18</a:t>
+              <a:t>4/9/18</a:t>
             </a:fld>
             <a:endParaRPr lang="en-US"/>
           </a:p>
@@ -3395,6 +3396,120 @@
     <p:bg>
       <p:bgPr>
         <a:solidFill>
+          <a:schemeClr val="accent6">
+            <a:lumMod val="40000"/>
+            <a:lumOff val="60000"/>
+          </a:schemeClr>
+        </a:solidFill>
+        <a:effectLst/>
+      </p:bgPr>
+    </p:bg>
+    <p:spTree>
+      <p:nvGrpSpPr>
+        <p:cNvPr id="1" name=""/>
+        <p:cNvGrpSpPr/>
+        <p:nvPr/>
+      </p:nvGrpSpPr>
+      <p:grpSpPr>
+        <a:xfrm>
+          <a:off x="0" y="0"/>
+          <a:ext cx="0" cy="0"/>
+          <a:chOff x="0" y="0"/>
+          <a:chExt cx="0" cy="0"/>
+        </a:xfrm>
+      </p:grpSpPr>
+      <p:sp>
+        <p:nvSpPr>
+          <p:cNvPr id="2" name="Title 1"/>
+          <p:cNvSpPr>
+            <a:spLocks noGrp="1"/>
+          </p:cNvSpPr>
+          <p:nvPr>
+            <p:ph type="ctrTitle"/>
+          </p:nvPr>
+        </p:nvSpPr>
+        <p:spPr>
+          <a:xfrm>
+            <a:off x="0" y="173918"/>
+            <a:ext cx="4578662" cy="4163620"/>
+          </a:xfrm>
+        </p:spPr>
+        <p:txBody>
+          <a:bodyPr>
+            <a:noAutofit/>
+          </a:bodyPr>
+          <a:lstStyle/>
+          <a:p>
+            <a:r>
+              <a:rPr lang="en-US" sz="9600" b="1" dirty="0">
+                <a:solidFill>
+                  <a:schemeClr val="tx2">
+                    <a:lumMod val="75000"/>
+                  </a:schemeClr>
+                </a:solidFill>
+              </a:rPr>
+              <a:t>HSJ</a:t>
+            </a:r>
+            <a:br>
+              <a:rPr lang="en-US" sz="9600" b="1" dirty="0">
+                <a:solidFill>
+                  <a:schemeClr val="tx2">
+                    <a:lumMod val="75000"/>
+                  </a:schemeClr>
+                </a:solidFill>
+              </a:rPr>
+            </a:br>
+            <a:r>
+              <a:rPr lang="en-US" sz="9600" b="1" dirty="0">
+                <a:solidFill>
+                  <a:schemeClr val="tx2">
+                    <a:lumMod val="75000"/>
+                  </a:schemeClr>
+                </a:solidFill>
+              </a:rPr>
+              <a:t>March</a:t>
+            </a:r>
+            <a:br>
+              <a:rPr lang="en-US" sz="9600" b="1" dirty="0">
+                <a:solidFill>
+                  <a:schemeClr val="tx2">
+                    <a:lumMod val="75000"/>
+                  </a:schemeClr>
+                </a:solidFill>
+              </a:rPr>
+            </a:br>
+            <a:r>
+              <a:rPr lang="en-US" sz="9600" b="1" dirty="0">
+                <a:solidFill>
+                  <a:schemeClr val="tx2">
+                    <a:lumMod val="75000"/>
+                  </a:schemeClr>
+                </a:solidFill>
+              </a:rPr>
+              <a:t>2018</a:t>
+            </a:r>
+          </a:p>
+        </p:txBody>
+      </p:sp>
+    </p:spTree>
+    <p:extLst>
+      <p:ext uri="{BB962C8B-B14F-4D97-AF65-F5344CB8AC3E}">
+        <p14:creationId xmlns:p14="http://schemas.microsoft.com/office/powerpoint/2010/main" val="3823637305"/>
+      </p:ext>
+    </p:extLst>
+  </p:cSld>
+  <p:clrMapOvr>
+    <a:masterClrMapping/>
+  </p:clrMapOvr>
+</p:sld>
+</file>
+
+<file path=ppt/slides/slide5.xml><?xml version="1.0" encoding="utf-8"?>
+<p:sld xmlns:a="http://schemas.openxmlformats.org/drawingml/2006/main" xmlns:r="http://schemas.openxmlformats.org/officeDocument/2006/relationships" xmlns:p="http://schemas.openxmlformats.org/presentationml/2006/main">
+  <p:cSld>
+    <p:bg>
+      <p:bgPr>
+        <a:solidFill>
           <a:srgbClr val="D700FA"/>
         </a:solidFill>
         <a:effectLst/>
@@ -3490,7 +3605,7 @@
 </p:sld>
 </file>
 
-<file path=ppt/slides/slide5.xml><?xml version="1.0" encoding="utf-8"?>
+<file path=ppt/slides/slide6.xml><?xml version="1.0" encoding="utf-8"?>
 <p:sld xmlns:a="http://schemas.openxmlformats.org/drawingml/2006/main" xmlns:r="http://schemas.openxmlformats.org/officeDocument/2006/relationships" xmlns:p="http://schemas.openxmlformats.org/presentationml/2006/main">
   <p:cSld>
     <p:bg>
@@ -3601,7 +3716,7 @@
 </p:sld>
 </file>
 
-<file path=ppt/slides/slide6.xml><?xml version="1.0" encoding="utf-8"?>
+<file path=ppt/slides/slide7.xml><?xml version="1.0" encoding="utf-8"?>
 <p:sld xmlns:a="http://schemas.openxmlformats.org/drawingml/2006/main" xmlns:r="http://schemas.openxmlformats.org/officeDocument/2006/relationships" xmlns:p="http://schemas.openxmlformats.org/presentationml/2006/main">
   <p:cSld>
     <p:bg>

--- a/resources/soundcloud.pptx
+++ b/resources/soundcloud.pptx
@@ -11,7 +11,8 @@
     <p:sldId id="263" r:id="rId5"/>
     <p:sldId id="260" r:id="rId6"/>
     <p:sldId id="261" r:id="rId7"/>
-    <p:sldId id="258" r:id="rId8"/>
+    <p:sldId id="264" r:id="rId8"/>
+    <p:sldId id="258" r:id="rId9"/>
   </p:sldIdLst>
   <p:sldSz cx="4572000" cy="4572000"/>
   <p:notesSz cx="6858000" cy="9144000"/>
@@ -308,7 +309,7 @@
           <a:p>
             <a:fld id="{226C7FB1-4831-6A4C-9DF2-6EA9AA49499B}" type="datetimeFigureOut">
               <a:rPr lang="en-US" smtClean="0"/>
-              <a:t>4/9/18</a:t>
+              <a:t>6/14/18</a:t>
             </a:fld>
             <a:endParaRPr lang="en-US"/>
           </a:p>
@@ -476,7 +477,7 @@
           <a:p>
             <a:fld id="{226C7FB1-4831-6A4C-9DF2-6EA9AA49499B}" type="datetimeFigureOut">
               <a:rPr lang="en-US" smtClean="0"/>
-              <a:t>4/9/18</a:t>
+              <a:t>6/14/18</a:t>
             </a:fld>
             <a:endParaRPr lang="en-US"/>
           </a:p>
@@ -654,7 +655,7 @@
           <a:p>
             <a:fld id="{226C7FB1-4831-6A4C-9DF2-6EA9AA49499B}" type="datetimeFigureOut">
               <a:rPr lang="en-US" smtClean="0"/>
-              <a:t>4/9/18</a:t>
+              <a:t>6/14/18</a:t>
             </a:fld>
             <a:endParaRPr lang="en-US"/>
           </a:p>
@@ -822,7 +823,7 @@
           <a:p>
             <a:fld id="{226C7FB1-4831-6A4C-9DF2-6EA9AA49499B}" type="datetimeFigureOut">
               <a:rPr lang="en-US" smtClean="0"/>
-              <a:t>4/9/18</a:t>
+              <a:t>6/14/18</a:t>
             </a:fld>
             <a:endParaRPr lang="en-US"/>
           </a:p>
@@ -1067,7 +1068,7 @@
           <a:p>
             <a:fld id="{226C7FB1-4831-6A4C-9DF2-6EA9AA49499B}" type="datetimeFigureOut">
               <a:rPr lang="en-US" smtClean="0"/>
-              <a:t>4/9/18</a:t>
+              <a:t>6/14/18</a:t>
             </a:fld>
             <a:endParaRPr lang="en-US"/>
           </a:p>
@@ -1352,7 +1353,7 @@
           <a:p>
             <a:fld id="{226C7FB1-4831-6A4C-9DF2-6EA9AA49499B}" type="datetimeFigureOut">
               <a:rPr lang="en-US" smtClean="0"/>
-              <a:t>4/9/18</a:t>
+              <a:t>6/14/18</a:t>
             </a:fld>
             <a:endParaRPr lang="en-US"/>
           </a:p>
@@ -1776,7 +1777,7 @@
           <a:p>
             <a:fld id="{226C7FB1-4831-6A4C-9DF2-6EA9AA49499B}" type="datetimeFigureOut">
               <a:rPr lang="en-US" smtClean="0"/>
-              <a:t>4/9/18</a:t>
+              <a:t>6/14/18</a:t>
             </a:fld>
             <a:endParaRPr lang="en-US"/>
           </a:p>
@@ -1893,7 +1894,7 @@
           <a:p>
             <a:fld id="{226C7FB1-4831-6A4C-9DF2-6EA9AA49499B}" type="datetimeFigureOut">
               <a:rPr lang="en-US" smtClean="0"/>
-              <a:t>4/9/18</a:t>
+              <a:t>6/14/18</a:t>
             </a:fld>
             <a:endParaRPr lang="en-US"/>
           </a:p>
@@ -1988,7 +1989,7 @@
           <a:p>
             <a:fld id="{226C7FB1-4831-6A4C-9DF2-6EA9AA49499B}" type="datetimeFigureOut">
               <a:rPr lang="en-US" smtClean="0"/>
-              <a:t>4/9/18</a:t>
+              <a:t>6/14/18</a:t>
             </a:fld>
             <a:endParaRPr lang="en-US"/>
           </a:p>
@@ -2263,7 +2264,7 @@
           <a:p>
             <a:fld id="{226C7FB1-4831-6A4C-9DF2-6EA9AA49499B}" type="datetimeFigureOut">
               <a:rPr lang="en-US" smtClean="0"/>
-              <a:t>4/9/18</a:t>
+              <a:t>6/14/18</a:t>
             </a:fld>
             <a:endParaRPr lang="en-US"/>
           </a:p>
@@ -2515,7 +2516,7 @@
           <a:p>
             <a:fld id="{226C7FB1-4831-6A4C-9DF2-6EA9AA49499B}" type="datetimeFigureOut">
               <a:rPr lang="en-US" smtClean="0"/>
-              <a:t>4/9/18</a:t>
+              <a:t>6/14/18</a:t>
             </a:fld>
             <a:endParaRPr lang="en-US"/>
           </a:p>
@@ -2726,7 +2727,7 @@
           <a:p>
             <a:fld id="{226C7FB1-4831-6A4C-9DF2-6EA9AA49499B}" type="datetimeFigureOut">
               <a:rPr lang="en-US" smtClean="0"/>
-              <a:t>4/9/18</a:t>
+              <a:t>6/14/18</a:t>
             </a:fld>
             <a:endParaRPr lang="en-US"/>
           </a:p>
@@ -3717,6 +3718,87 @@
 </file>
 
 <file path=ppt/slides/slide7.xml><?xml version="1.0" encoding="utf-8"?>
+<p:sld xmlns:a="http://schemas.openxmlformats.org/drawingml/2006/main" xmlns:r="http://schemas.openxmlformats.org/officeDocument/2006/relationships" xmlns:p="http://schemas.openxmlformats.org/presentationml/2006/main">
+  <p:cSld>
+    <p:bg>
+      <p:bgPr>
+        <a:solidFill>
+          <a:srgbClr val="FF0000"/>
+        </a:solidFill>
+        <a:effectLst/>
+      </p:bgPr>
+    </p:bg>
+    <p:spTree>
+      <p:nvGrpSpPr>
+        <p:cNvPr id="1" name=""/>
+        <p:cNvGrpSpPr/>
+        <p:nvPr/>
+      </p:nvGrpSpPr>
+      <p:grpSpPr>
+        <a:xfrm>
+          <a:off x="0" y="0"/>
+          <a:ext cx="0" cy="0"/>
+          <a:chOff x="0" y="0"/>
+          <a:chExt cx="0" cy="0"/>
+        </a:xfrm>
+      </p:grpSpPr>
+      <p:sp>
+        <p:nvSpPr>
+          <p:cNvPr id="2" name="Title 1"/>
+          <p:cNvSpPr>
+            <a:spLocks noGrp="1"/>
+          </p:cNvSpPr>
+          <p:nvPr>
+            <p:ph type="ctrTitle"/>
+          </p:nvPr>
+        </p:nvSpPr>
+        <p:spPr>
+          <a:xfrm>
+            <a:off x="0" y="173918"/>
+            <a:ext cx="4578662" cy="4163620"/>
+          </a:xfrm>
+        </p:spPr>
+        <p:txBody>
+          <a:bodyPr>
+            <a:noAutofit/>
+          </a:bodyPr>
+          <a:lstStyle/>
+          <a:p>
+            <a:r>
+              <a:rPr lang="en-US" sz="9600" b="1" dirty="0"/>
+              <a:t>HSJ</a:t>
+            </a:r>
+            <a:br>
+              <a:rPr lang="en-US" sz="9600" b="1" dirty="0"/>
+            </a:br>
+            <a:r>
+              <a:rPr lang="en-US" sz="9600" b="1" dirty="0"/>
+              <a:t>June</a:t>
+            </a:r>
+            <a:br>
+              <a:rPr lang="en-US" sz="9600" b="1" dirty="0"/>
+            </a:br>
+            <a:r>
+              <a:rPr lang="en-US" sz="9600" b="1" dirty="0"/>
+              <a:t>2018</a:t>
+            </a:r>
+          </a:p>
+        </p:txBody>
+      </p:sp>
+    </p:spTree>
+    <p:extLst>
+      <p:ext uri="{BB962C8B-B14F-4D97-AF65-F5344CB8AC3E}">
+        <p14:creationId xmlns:p14="http://schemas.microsoft.com/office/powerpoint/2010/main" val="2592910576"/>
+      </p:ext>
+    </p:extLst>
+  </p:cSld>
+  <p:clrMapOvr>
+    <a:masterClrMapping/>
+  </p:clrMapOvr>
+</p:sld>
+</file>
+
+<file path=ppt/slides/slide8.xml><?xml version="1.0" encoding="utf-8"?>
 <p:sld xmlns:a="http://schemas.openxmlformats.org/drawingml/2006/main" xmlns:r="http://schemas.openxmlformats.org/officeDocument/2006/relationships" xmlns:p="http://schemas.openxmlformats.org/presentationml/2006/main">
   <p:cSld>
     <p:bg>

--- a/resources/soundcloud.pptx
+++ b/resources/soundcloud.pptx
@@ -309,7 +309,7 @@
           <a:p>
             <a:fld id="{226C7FB1-4831-6A4C-9DF2-6EA9AA49499B}" type="datetimeFigureOut">
               <a:rPr lang="en-US" smtClean="0"/>
-              <a:t>6/14/18</a:t>
+              <a:t>7/21/18</a:t>
             </a:fld>
             <a:endParaRPr lang="en-US"/>
           </a:p>
@@ -477,7 +477,7 @@
           <a:p>
             <a:fld id="{226C7FB1-4831-6A4C-9DF2-6EA9AA49499B}" type="datetimeFigureOut">
               <a:rPr lang="en-US" smtClean="0"/>
-              <a:t>6/14/18</a:t>
+              <a:t>7/21/18</a:t>
             </a:fld>
             <a:endParaRPr lang="en-US"/>
           </a:p>
@@ -655,7 +655,7 @@
           <a:p>
             <a:fld id="{226C7FB1-4831-6A4C-9DF2-6EA9AA49499B}" type="datetimeFigureOut">
               <a:rPr lang="en-US" smtClean="0"/>
-              <a:t>6/14/18</a:t>
+              <a:t>7/21/18</a:t>
             </a:fld>
             <a:endParaRPr lang="en-US"/>
           </a:p>
@@ -823,7 +823,7 @@
           <a:p>
             <a:fld id="{226C7FB1-4831-6A4C-9DF2-6EA9AA49499B}" type="datetimeFigureOut">
               <a:rPr lang="en-US" smtClean="0"/>
-              <a:t>6/14/18</a:t>
+              <a:t>7/21/18</a:t>
             </a:fld>
             <a:endParaRPr lang="en-US"/>
           </a:p>
@@ -1068,7 +1068,7 @@
           <a:p>
             <a:fld id="{226C7FB1-4831-6A4C-9DF2-6EA9AA49499B}" type="datetimeFigureOut">
               <a:rPr lang="en-US" smtClean="0"/>
-              <a:t>6/14/18</a:t>
+              <a:t>7/21/18</a:t>
             </a:fld>
             <a:endParaRPr lang="en-US"/>
           </a:p>
@@ -1353,7 +1353,7 @@
           <a:p>
             <a:fld id="{226C7FB1-4831-6A4C-9DF2-6EA9AA49499B}" type="datetimeFigureOut">
               <a:rPr lang="en-US" smtClean="0"/>
-              <a:t>6/14/18</a:t>
+              <a:t>7/21/18</a:t>
             </a:fld>
             <a:endParaRPr lang="en-US"/>
           </a:p>
@@ -1777,7 +1777,7 @@
           <a:p>
             <a:fld id="{226C7FB1-4831-6A4C-9DF2-6EA9AA49499B}" type="datetimeFigureOut">
               <a:rPr lang="en-US" smtClean="0"/>
-              <a:t>6/14/18</a:t>
+              <a:t>7/21/18</a:t>
             </a:fld>
             <a:endParaRPr lang="en-US"/>
           </a:p>
@@ -1894,7 +1894,7 @@
           <a:p>
             <a:fld id="{226C7FB1-4831-6A4C-9DF2-6EA9AA49499B}" type="datetimeFigureOut">
               <a:rPr lang="en-US" smtClean="0"/>
-              <a:t>6/14/18</a:t>
+              <a:t>7/21/18</a:t>
             </a:fld>
             <a:endParaRPr lang="en-US"/>
           </a:p>
@@ -1989,7 +1989,7 @@
           <a:p>
             <a:fld id="{226C7FB1-4831-6A4C-9DF2-6EA9AA49499B}" type="datetimeFigureOut">
               <a:rPr lang="en-US" smtClean="0"/>
-              <a:t>6/14/18</a:t>
+              <a:t>7/21/18</a:t>
             </a:fld>
             <a:endParaRPr lang="en-US"/>
           </a:p>
@@ -2264,7 +2264,7 @@
           <a:p>
             <a:fld id="{226C7FB1-4831-6A4C-9DF2-6EA9AA49499B}" type="datetimeFigureOut">
               <a:rPr lang="en-US" smtClean="0"/>
-              <a:t>6/14/18</a:t>
+              <a:t>7/21/18</a:t>
             </a:fld>
             <a:endParaRPr lang="en-US"/>
           </a:p>
@@ -2516,7 +2516,7 @@
           <a:p>
             <a:fld id="{226C7FB1-4831-6A4C-9DF2-6EA9AA49499B}" type="datetimeFigureOut">
               <a:rPr lang="en-US" smtClean="0"/>
-              <a:t>6/14/18</a:t>
+              <a:t>7/21/18</a:t>
             </a:fld>
             <a:endParaRPr lang="en-US"/>
           </a:p>
@@ -2727,7 +2727,7 @@
           <a:p>
             <a:fld id="{226C7FB1-4831-6A4C-9DF2-6EA9AA49499B}" type="datetimeFigureOut">
               <a:rPr lang="en-US" smtClean="0"/>
-              <a:t>6/14/18</a:t>
+              <a:t>7/21/18</a:t>
             </a:fld>
             <a:endParaRPr lang="en-US"/>
           </a:p>
@@ -3192,10 +3192,7 @@
     <p:bg>
       <p:bgPr>
         <a:solidFill>
-          <a:schemeClr val="accent6">
-            <a:lumMod val="60000"/>
-            <a:lumOff val="40000"/>
-          </a:schemeClr>
+          <a:srgbClr val="C921FA"/>
         </a:solidFill>
         <a:effectLst/>
       </p:bgPr>
@@ -3239,7 +3236,7 @@
             <a:r>
               <a:rPr lang="en-US" sz="9600" b="1" dirty="0">
                 <a:solidFill>
-                  <a:srgbClr val="C00000"/>
+                  <a:schemeClr val="bg1"/>
                 </a:solidFill>
               </a:rPr>
               <a:t>HSJ</a:t>
@@ -3247,32 +3244,32 @@
             <a:br>
               <a:rPr lang="en-US" sz="9600" b="1" dirty="0">
                 <a:solidFill>
-                  <a:srgbClr val="C00000"/>
+                  <a:schemeClr val="bg1"/>
                 </a:solidFill>
               </a:rPr>
             </a:br>
             <a:r>
               <a:rPr lang="en-US" sz="9600" b="1" dirty="0">
                 <a:solidFill>
-                  <a:srgbClr val="C00000"/>
+                  <a:schemeClr val="bg1"/>
                 </a:solidFill>
               </a:rPr>
-              <a:t>August</a:t>
+              <a:t>July</a:t>
             </a:r>
             <a:br>
               <a:rPr lang="en-US" sz="9600" b="1" dirty="0">
                 <a:solidFill>
-                  <a:srgbClr val="C00000"/>
+                  <a:schemeClr val="bg1"/>
                 </a:solidFill>
               </a:rPr>
             </a:br>
             <a:r>
               <a:rPr lang="en-US" sz="9600" b="1" dirty="0">
                 <a:solidFill>
-                  <a:srgbClr val="C00000"/>
+                  <a:schemeClr val="bg1"/>
                 </a:solidFill>
               </a:rPr>
-              <a:t>2017</a:t>
+              <a:t>2018</a:t>
             </a:r>
           </a:p>
         </p:txBody>

--- a/resources/soundcloud.pptx
+++ b/resources/soundcloud.pptx
@@ -7,12 +7,13 @@
   <p:sldIdLst>
     <p:sldId id="256" r:id="rId2"/>
     <p:sldId id="259" r:id="rId3"/>
-    <p:sldId id="262" r:id="rId4"/>
-    <p:sldId id="263" r:id="rId5"/>
-    <p:sldId id="260" r:id="rId6"/>
-    <p:sldId id="261" r:id="rId7"/>
-    <p:sldId id="264" r:id="rId8"/>
-    <p:sldId id="258" r:id="rId9"/>
+    <p:sldId id="265" r:id="rId4"/>
+    <p:sldId id="262" r:id="rId5"/>
+    <p:sldId id="263" r:id="rId6"/>
+    <p:sldId id="260" r:id="rId7"/>
+    <p:sldId id="261" r:id="rId8"/>
+    <p:sldId id="264" r:id="rId9"/>
+    <p:sldId id="258" r:id="rId10"/>
   </p:sldIdLst>
   <p:sldSz cx="4572000" cy="4572000"/>
   <p:notesSz cx="6858000" cy="9144000"/>
@@ -113,7 +114,7 @@
   </p:defaultTextStyle>
   <p:extLst>
     <p:ext uri="{EFAFB233-063F-42B5-8137-9DF3F51BA10A}">
-      <p15:sldGuideLst xmlns:p15="http://schemas.microsoft.com/office/powerpoint/2012/main">
+      <p15:sldGuideLst xmlns:p15="http://schemas.microsoft.com/office/powerpoint/2012/main" xmlns="">
         <p15:guide id="1" orient="horz" pos="1440">
           <p15:clr>
             <a:srgbClr val="A4A3A4"/>
@@ -309,7 +310,7 @@
           <a:p>
             <a:fld id="{226C7FB1-4831-6A4C-9DF2-6EA9AA49499B}" type="datetimeFigureOut">
               <a:rPr lang="en-US" smtClean="0"/>
-              <a:t>7/21/18</a:t>
+              <a:t>8/1/18</a:t>
             </a:fld>
             <a:endParaRPr lang="en-US"/>
           </a:p>
@@ -477,7 +478,7 @@
           <a:p>
             <a:fld id="{226C7FB1-4831-6A4C-9DF2-6EA9AA49499B}" type="datetimeFigureOut">
               <a:rPr lang="en-US" smtClean="0"/>
-              <a:t>7/21/18</a:t>
+              <a:t>8/1/18</a:t>
             </a:fld>
             <a:endParaRPr lang="en-US"/>
           </a:p>
@@ -655,7 +656,7 @@
           <a:p>
             <a:fld id="{226C7FB1-4831-6A4C-9DF2-6EA9AA49499B}" type="datetimeFigureOut">
               <a:rPr lang="en-US" smtClean="0"/>
-              <a:t>7/21/18</a:t>
+              <a:t>8/1/18</a:t>
             </a:fld>
             <a:endParaRPr lang="en-US"/>
           </a:p>
@@ -823,7 +824,7 @@
           <a:p>
             <a:fld id="{226C7FB1-4831-6A4C-9DF2-6EA9AA49499B}" type="datetimeFigureOut">
               <a:rPr lang="en-US" smtClean="0"/>
-              <a:t>7/21/18</a:t>
+              <a:t>8/1/18</a:t>
             </a:fld>
             <a:endParaRPr lang="en-US"/>
           </a:p>
@@ -1068,7 +1069,7 @@
           <a:p>
             <a:fld id="{226C7FB1-4831-6A4C-9DF2-6EA9AA49499B}" type="datetimeFigureOut">
               <a:rPr lang="en-US" smtClean="0"/>
-              <a:t>7/21/18</a:t>
+              <a:t>8/1/18</a:t>
             </a:fld>
             <a:endParaRPr lang="en-US"/>
           </a:p>
@@ -1353,7 +1354,7 @@
           <a:p>
             <a:fld id="{226C7FB1-4831-6A4C-9DF2-6EA9AA49499B}" type="datetimeFigureOut">
               <a:rPr lang="en-US" smtClean="0"/>
-              <a:t>7/21/18</a:t>
+              <a:t>8/1/18</a:t>
             </a:fld>
             <a:endParaRPr lang="en-US"/>
           </a:p>
@@ -1777,7 +1778,7 @@
           <a:p>
             <a:fld id="{226C7FB1-4831-6A4C-9DF2-6EA9AA49499B}" type="datetimeFigureOut">
               <a:rPr lang="en-US" smtClean="0"/>
-              <a:t>7/21/18</a:t>
+              <a:t>8/1/18</a:t>
             </a:fld>
             <a:endParaRPr lang="en-US"/>
           </a:p>
@@ -1894,7 +1895,7 @@
           <a:p>
             <a:fld id="{226C7FB1-4831-6A4C-9DF2-6EA9AA49499B}" type="datetimeFigureOut">
               <a:rPr lang="en-US" smtClean="0"/>
-              <a:t>7/21/18</a:t>
+              <a:t>8/1/18</a:t>
             </a:fld>
             <a:endParaRPr lang="en-US"/>
           </a:p>
@@ -1989,7 +1990,7 @@
           <a:p>
             <a:fld id="{226C7FB1-4831-6A4C-9DF2-6EA9AA49499B}" type="datetimeFigureOut">
               <a:rPr lang="en-US" smtClean="0"/>
-              <a:t>7/21/18</a:t>
+              <a:t>8/1/18</a:t>
             </a:fld>
             <a:endParaRPr lang="en-US"/>
           </a:p>
@@ -2264,7 +2265,7 @@
           <a:p>
             <a:fld id="{226C7FB1-4831-6A4C-9DF2-6EA9AA49499B}" type="datetimeFigureOut">
               <a:rPr lang="en-US" smtClean="0"/>
-              <a:t>7/21/18</a:t>
+              <a:t>8/1/18</a:t>
             </a:fld>
             <a:endParaRPr lang="en-US"/>
           </a:p>
@@ -2516,7 +2517,7 @@
           <a:p>
             <a:fld id="{226C7FB1-4831-6A4C-9DF2-6EA9AA49499B}" type="datetimeFigureOut">
               <a:rPr lang="en-US" smtClean="0"/>
-              <a:t>7/21/18</a:t>
+              <a:t>8/1/18</a:t>
             </a:fld>
             <a:endParaRPr lang="en-US"/>
           </a:p>
@@ -2727,7 +2728,7 @@
           <a:p>
             <a:fld id="{226C7FB1-4831-6A4C-9DF2-6EA9AA49499B}" type="datetimeFigureOut">
               <a:rPr lang="en-US" smtClean="0"/>
-              <a:t>7/21/18</a:t>
+              <a:t>8/1/18</a:t>
             </a:fld>
             <a:endParaRPr lang="en-US"/>
           </a:p>
@@ -3140,6 +3141,14 @@
               </a:rPr>
               <a:t>HSJ</a:t>
             </a:r>
+            <a:r>
+              <a:rPr lang="en-US" sz="9600" b="1" dirty="0">
+                <a:solidFill>
+                  <a:srgbClr val="FFFF00"/>
+                </a:solidFill>
+              </a:rPr>
+              <a:t/>
+            </a:r>
             <a:br>
               <a:rPr lang="en-US" sz="9600" b="1" dirty="0">
                 <a:solidFill>
@@ -3154,6 +3163,14 @@
                 </a:solidFill>
               </a:rPr>
               <a:t>July</a:t>
+            </a:r>
+            <a:r>
+              <a:rPr lang="en-US" sz="9600" b="1" dirty="0">
+                <a:solidFill>
+                  <a:srgbClr val="FFFF00"/>
+                </a:solidFill>
+              </a:rPr>
+              <a:t/>
             </a:r>
             <a:br>
               <a:rPr lang="en-US" sz="9600" b="1" dirty="0">
@@ -3293,6 +3310,115 @@
     <p:bg>
       <p:bgPr>
         <a:solidFill>
+          <a:srgbClr val="FFFF00"/>
+        </a:solidFill>
+        <a:effectLst/>
+      </p:bgPr>
+    </p:bg>
+    <p:spTree>
+      <p:nvGrpSpPr>
+        <p:cNvPr id="1" name=""/>
+        <p:cNvGrpSpPr/>
+        <p:nvPr/>
+      </p:nvGrpSpPr>
+      <p:grpSpPr>
+        <a:xfrm>
+          <a:off x="0" y="0"/>
+          <a:ext cx="0" cy="0"/>
+          <a:chOff x="0" y="0"/>
+          <a:chExt cx="0" cy="0"/>
+        </a:xfrm>
+      </p:grpSpPr>
+      <p:sp>
+        <p:nvSpPr>
+          <p:cNvPr id="2" name="Title 1"/>
+          <p:cNvSpPr>
+            <a:spLocks noGrp="1"/>
+          </p:cNvSpPr>
+          <p:nvPr>
+            <p:ph type="ctrTitle"/>
+          </p:nvPr>
+        </p:nvSpPr>
+        <p:spPr>
+          <a:xfrm>
+            <a:off x="0" y="173918"/>
+            <a:ext cx="4578662" cy="4163620"/>
+          </a:xfrm>
+        </p:spPr>
+        <p:txBody>
+          <a:bodyPr>
+            <a:noAutofit/>
+          </a:bodyPr>
+          <a:lstStyle/>
+          <a:p>
+            <a:r>
+              <a:rPr lang="en-US" sz="9600" b="1" dirty="0">
+                <a:solidFill>
+                  <a:srgbClr val="0000FF"/>
+                </a:solidFill>
+              </a:rPr>
+              <a:t>HSJ</a:t>
+            </a:r>
+            <a:br>
+              <a:rPr lang="en-US" sz="9600" b="1" dirty="0">
+                <a:solidFill>
+                  <a:srgbClr val="0000FF"/>
+                </a:solidFill>
+              </a:rPr>
+            </a:br>
+            <a:r>
+              <a:rPr lang="en-US" sz="9600" b="1" dirty="0" smtClean="0">
+                <a:solidFill>
+                  <a:srgbClr val="0000FF"/>
+                </a:solidFill>
+              </a:rPr>
+              <a:t>Ophelia</a:t>
+            </a:r>
+            <a:r>
+              <a:rPr lang="en-US" sz="9600" b="1" dirty="0">
+                <a:solidFill>
+                  <a:srgbClr val="0000FF"/>
+                </a:solidFill>
+              </a:rPr>
+              <a:t/>
+            </a:r>
+            <a:br>
+              <a:rPr lang="en-US" sz="9600" b="1" dirty="0">
+                <a:solidFill>
+                  <a:srgbClr val="0000FF"/>
+                </a:solidFill>
+              </a:rPr>
+            </a:br>
+            <a:r>
+              <a:rPr lang="en-US" sz="9600" b="1" dirty="0">
+                <a:solidFill>
+                  <a:srgbClr val="0000FF"/>
+                </a:solidFill>
+              </a:rPr>
+              <a:t>2018</a:t>
+            </a:r>
+          </a:p>
+        </p:txBody>
+      </p:sp>
+    </p:spTree>
+    <p:extLst>
+      <p:ext uri="{BB962C8B-B14F-4D97-AF65-F5344CB8AC3E}">
+        <p14:creationId xmlns:p14="http://schemas.microsoft.com/office/powerpoint/2010/main" val="1108181425"/>
+      </p:ext>
+    </p:extLst>
+  </p:cSld>
+  <p:clrMapOvr>
+    <a:masterClrMapping/>
+  </p:clrMapOvr>
+</p:sld>
+</file>
+
+<file path=ppt/slides/slide4.xml><?xml version="1.0" encoding="utf-8"?>
+<p:sld xmlns:a="http://schemas.openxmlformats.org/drawingml/2006/main" xmlns:r="http://schemas.openxmlformats.org/officeDocument/2006/relationships" xmlns:p="http://schemas.openxmlformats.org/presentationml/2006/main">
+  <p:cSld>
+    <p:bg>
+      <p:bgPr>
+        <a:solidFill>
           <a:srgbClr val="00B050"/>
         </a:solidFill>
         <a:effectLst/>
@@ -3388,7 +3514,7 @@
 </p:sld>
 </file>
 
-<file path=ppt/slides/slide4.xml><?xml version="1.0" encoding="utf-8"?>
+<file path=ppt/slides/slide5.xml><?xml version="1.0" encoding="utf-8"?>
 <p:sld xmlns:a="http://schemas.openxmlformats.org/drawingml/2006/main" xmlns:r="http://schemas.openxmlformats.org/officeDocument/2006/relationships" xmlns:p="http://schemas.openxmlformats.org/presentationml/2006/main">
   <p:cSld>
     <p:bg>
@@ -3502,7 +3628,7 @@
 </p:sld>
 </file>
 
-<file path=ppt/slides/slide5.xml><?xml version="1.0" encoding="utf-8"?>
+<file path=ppt/slides/slide6.xml><?xml version="1.0" encoding="utf-8"?>
 <p:sld xmlns:a="http://schemas.openxmlformats.org/drawingml/2006/main" xmlns:r="http://schemas.openxmlformats.org/officeDocument/2006/relationships" xmlns:p="http://schemas.openxmlformats.org/presentationml/2006/main">
   <p:cSld>
     <p:bg>
@@ -3603,7 +3729,7 @@
 </p:sld>
 </file>
 
-<file path=ppt/slides/slide6.xml><?xml version="1.0" encoding="utf-8"?>
+<file path=ppt/slides/slide7.xml><?xml version="1.0" encoding="utf-8"?>
 <p:sld xmlns:a="http://schemas.openxmlformats.org/drawingml/2006/main" xmlns:r="http://schemas.openxmlformats.org/officeDocument/2006/relationships" xmlns:p="http://schemas.openxmlformats.org/presentationml/2006/main">
   <p:cSld>
     <p:bg>
@@ -3714,7 +3840,7 @@
 </p:sld>
 </file>
 
-<file path=ppt/slides/slide7.xml><?xml version="1.0" encoding="utf-8"?>
+<file path=ppt/slides/slide8.xml><?xml version="1.0" encoding="utf-8"?>
 <p:sld xmlns:a="http://schemas.openxmlformats.org/drawingml/2006/main" xmlns:r="http://schemas.openxmlformats.org/officeDocument/2006/relationships" xmlns:p="http://schemas.openxmlformats.org/presentationml/2006/main">
   <p:cSld>
     <p:bg>
@@ -3795,7 +3921,7 @@
 </p:sld>
 </file>
 
-<file path=ppt/slides/slide8.xml><?xml version="1.0" encoding="utf-8"?>
+<file path=ppt/slides/slide9.xml><?xml version="1.0" encoding="utf-8"?>
 <p:sld xmlns:a="http://schemas.openxmlformats.org/drawingml/2006/main" xmlns:r="http://schemas.openxmlformats.org/officeDocument/2006/relationships" xmlns:p="http://schemas.openxmlformats.org/presentationml/2006/main">
   <p:cSld>
     <p:bg>

--- a/resources/soundcloud.pptx
+++ b/resources/soundcloud.pptx
@@ -4,6 +4,9 @@
   <p:sldMasterIdLst>
     <p:sldMasterId id="2147483648" r:id="rId1"/>
   </p:sldMasterIdLst>
+  <p:notesMasterIdLst>
+    <p:notesMasterId r:id="rId12"/>
+  </p:notesMasterIdLst>
   <p:sldIdLst>
     <p:sldId id="256" r:id="rId2"/>
     <p:sldId id="259" r:id="rId3"/>
@@ -13,7 +16,8 @@
     <p:sldId id="260" r:id="rId7"/>
     <p:sldId id="261" r:id="rId8"/>
     <p:sldId id="264" r:id="rId9"/>
-    <p:sldId id="258" r:id="rId10"/>
+    <p:sldId id="266" r:id="rId10"/>
+    <p:sldId id="258" r:id="rId11"/>
   </p:sldIdLst>
   <p:sldSz cx="4572000" cy="4572000"/>
   <p:notesSz cx="6858000" cy="9144000"/>
@@ -114,7 +118,7 @@
   </p:defaultTextStyle>
   <p:extLst>
     <p:ext uri="{EFAFB233-063F-42B5-8137-9DF3F51BA10A}">
-      <p15:sldGuideLst xmlns:p15="http://schemas.microsoft.com/office/powerpoint/2012/main" xmlns="">
+      <p15:sldGuideLst xmlns="" xmlns:p15="http://schemas.microsoft.com/office/powerpoint/2012/main">
         <p15:guide id="1" orient="horz" pos="1440">
           <p15:clr>
             <a:srgbClr val="A4A3A4"/>
@@ -129,6 +133,440 @@
     </p:ext>
   </p:extLst>
 </p:presentation>
+</file>
+
+<file path=ppt/notesMasters/notesMaster1.xml><?xml version="1.0" encoding="utf-8"?>
+<p:notesMaster xmlns:a="http://schemas.openxmlformats.org/drawingml/2006/main" xmlns:r="http://schemas.openxmlformats.org/officeDocument/2006/relationships" xmlns:p="http://schemas.openxmlformats.org/presentationml/2006/main">
+  <p:cSld>
+    <p:bg>
+      <p:bgRef idx="1001">
+        <a:schemeClr val="bg1"/>
+      </p:bgRef>
+    </p:bg>
+    <p:spTree>
+      <p:nvGrpSpPr>
+        <p:cNvPr id="1" name=""/>
+        <p:cNvGrpSpPr/>
+        <p:nvPr/>
+      </p:nvGrpSpPr>
+      <p:grpSpPr>
+        <a:xfrm>
+          <a:off x="0" y="0"/>
+          <a:ext cx="0" cy="0"/>
+          <a:chOff x="0" y="0"/>
+          <a:chExt cx="0" cy="0"/>
+        </a:xfrm>
+      </p:grpSpPr>
+      <p:sp>
+        <p:nvSpPr>
+          <p:cNvPr id="2" name="Header Placeholder 1"/>
+          <p:cNvSpPr>
+            <a:spLocks noGrp="1"/>
+          </p:cNvSpPr>
+          <p:nvPr>
+            <p:ph type="hdr" sz="quarter"/>
+          </p:nvPr>
+        </p:nvSpPr>
+        <p:spPr>
+          <a:xfrm>
+            <a:off x="0" y="0"/>
+            <a:ext cx="2971800" cy="457200"/>
+          </a:xfrm>
+          <a:prstGeom prst="rect">
+            <a:avLst/>
+          </a:prstGeom>
+        </p:spPr>
+        <p:txBody>
+          <a:bodyPr vert="horz" lIns="91440" tIns="45720" rIns="91440" bIns="45720" rtlCol="0"/>
+          <a:lstStyle>
+            <a:lvl1pPr algn="l">
+              <a:defRPr sz="1200"/>
+            </a:lvl1pPr>
+          </a:lstStyle>
+          <a:p>
+            <a:endParaRPr lang="en-US"/>
+          </a:p>
+        </p:txBody>
+      </p:sp>
+      <p:sp>
+        <p:nvSpPr>
+          <p:cNvPr id="3" name="Date Placeholder 2"/>
+          <p:cNvSpPr>
+            <a:spLocks noGrp="1"/>
+          </p:cNvSpPr>
+          <p:nvPr>
+            <p:ph type="dt" idx="1"/>
+          </p:nvPr>
+        </p:nvSpPr>
+        <p:spPr>
+          <a:xfrm>
+            <a:off x="3884613" y="0"/>
+            <a:ext cx="2971800" cy="457200"/>
+          </a:xfrm>
+          <a:prstGeom prst="rect">
+            <a:avLst/>
+          </a:prstGeom>
+        </p:spPr>
+        <p:txBody>
+          <a:bodyPr vert="horz" lIns="91440" tIns="45720" rIns="91440" bIns="45720" rtlCol="0"/>
+          <a:lstStyle>
+            <a:lvl1pPr algn="r">
+              <a:defRPr sz="1200"/>
+            </a:lvl1pPr>
+          </a:lstStyle>
+          <a:p>
+            <a:fld id="{08B30D70-D9E6-0042-997C-79AA6B350E63}" type="datetimeFigureOut">
+              <a:rPr lang="en-US" smtClean="0"/>
+              <a:t>10/1/18</a:t>
+            </a:fld>
+            <a:endParaRPr lang="en-US"/>
+          </a:p>
+        </p:txBody>
+      </p:sp>
+      <p:sp>
+        <p:nvSpPr>
+          <p:cNvPr id="4" name="Slide Image Placeholder 3"/>
+          <p:cNvSpPr>
+            <a:spLocks noGrp="1" noRot="1" noChangeAspect="1"/>
+          </p:cNvSpPr>
+          <p:nvPr>
+            <p:ph type="sldImg" idx="2"/>
+          </p:nvPr>
+        </p:nvSpPr>
+        <p:spPr>
+          <a:xfrm>
+            <a:off x="1714500" y="685800"/>
+            <a:ext cx="3429000" cy="3429000"/>
+          </a:xfrm>
+          <a:prstGeom prst="rect">
+            <a:avLst/>
+          </a:prstGeom>
+          <a:noFill/>
+          <a:ln w="12700">
+            <a:solidFill>
+              <a:prstClr val="black"/>
+            </a:solidFill>
+          </a:ln>
+        </p:spPr>
+        <p:txBody>
+          <a:bodyPr vert="horz" lIns="91440" tIns="45720" rIns="91440" bIns="45720" rtlCol="0" anchor="ctr"/>
+          <a:lstStyle/>
+          <a:p>
+            <a:endParaRPr lang="en-US"/>
+          </a:p>
+        </p:txBody>
+      </p:sp>
+      <p:sp>
+        <p:nvSpPr>
+          <p:cNvPr id="5" name="Notes Placeholder 4"/>
+          <p:cNvSpPr>
+            <a:spLocks noGrp="1"/>
+          </p:cNvSpPr>
+          <p:nvPr>
+            <p:ph type="body" sz="quarter" idx="3"/>
+          </p:nvPr>
+        </p:nvSpPr>
+        <p:spPr>
+          <a:xfrm>
+            <a:off x="685800" y="4343400"/>
+            <a:ext cx="5486400" cy="4114800"/>
+          </a:xfrm>
+          <a:prstGeom prst="rect">
+            <a:avLst/>
+          </a:prstGeom>
+        </p:spPr>
+        <p:txBody>
+          <a:bodyPr vert="horz" lIns="91440" tIns="45720" rIns="91440" bIns="45720" rtlCol="0"/>
+          <a:lstStyle/>
+          <a:p>
+            <a:pPr lvl="0"/>
+            <a:r>
+              <a:rPr lang="en-US" smtClean="0"/>
+              <a:t>Click to edit Master text styles</a:t>
+            </a:r>
+          </a:p>
+          <a:p>
+            <a:pPr lvl="1"/>
+            <a:r>
+              <a:rPr lang="en-US" smtClean="0"/>
+              <a:t>Second level</a:t>
+            </a:r>
+          </a:p>
+          <a:p>
+            <a:pPr lvl="2"/>
+            <a:r>
+              <a:rPr lang="en-US" smtClean="0"/>
+              <a:t>Third level</a:t>
+            </a:r>
+          </a:p>
+          <a:p>
+            <a:pPr lvl="3"/>
+            <a:r>
+              <a:rPr lang="en-US" smtClean="0"/>
+              <a:t>Fourth level</a:t>
+            </a:r>
+          </a:p>
+          <a:p>
+            <a:pPr lvl="4"/>
+            <a:r>
+              <a:rPr lang="en-US" smtClean="0"/>
+              <a:t>Fifth level</a:t>
+            </a:r>
+            <a:endParaRPr lang="en-US"/>
+          </a:p>
+        </p:txBody>
+      </p:sp>
+      <p:sp>
+        <p:nvSpPr>
+          <p:cNvPr id="6" name="Footer Placeholder 5"/>
+          <p:cNvSpPr>
+            <a:spLocks noGrp="1"/>
+          </p:cNvSpPr>
+          <p:nvPr>
+            <p:ph type="ftr" sz="quarter" idx="4"/>
+          </p:nvPr>
+        </p:nvSpPr>
+        <p:spPr>
+          <a:xfrm>
+            <a:off x="0" y="8685213"/>
+            <a:ext cx="2971800" cy="457200"/>
+          </a:xfrm>
+          <a:prstGeom prst="rect">
+            <a:avLst/>
+          </a:prstGeom>
+        </p:spPr>
+        <p:txBody>
+          <a:bodyPr vert="horz" lIns="91440" tIns="45720" rIns="91440" bIns="45720" rtlCol="0" anchor="b"/>
+          <a:lstStyle>
+            <a:lvl1pPr algn="l">
+              <a:defRPr sz="1200"/>
+            </a:lvl1pPr>
+          </a:lstStyle>
+          <a:p>
+            <a:endParaRPr lang="en-US"/>
+          </a:p>
+        </p:txBody>
+      </p:sp>
+      <p:sp>
+        <p:nvSpPr>
+          <p:cNvPr id="7" name="Slide Number Placeholder 6"/>
+          <p:cNvSpPr>
+            <a:spLocks noGrp="1"/>
+          </p:cNvSpPr>
+          <p:nvPr>
+            <p:ph type="sldNum" sz="quarter" idx="5"/>
+          </p:nvPr>
+        </p:nvSpPr>
+        <p:spPr>
+          <a:xfrm>
+            <a:off x="3884613" y="8685213"/>
+            <a:ext cx="2971800" cy="457200"/>
+          </a:xfrm>
+          <a:prstGeom prst="rect">
+            <a:avLst/>
+          </a:prstGeom>
+        </p:spPr>
+        <p:txBody>
+          <a:bodyPr vert="horz" lIns="91440" tIns="45720" rIns="91440" bIns="45720" rtlCol="0" anchor="b"/>
+          <a:lstStyle>
+            <a:lvl1pPr algn="r">
+              <a:defRPr sz="1200"/>
+            </a:lvl1pPr>
+          </a:lstStyle>
+          <a:p>
+            <a:fld id="{C41573AF-D93F-2D48-A485-A84534C0726B}" type="slidenum">
+              <a:rPr lang="en-US" smtClean="0"/>
+              <a:t>‹#›</a:t>
+            </a:fld>
+            <a:endParaRPr lang="en-US"/>
+          </a:p>
+        </p:txBody>
+      </p:sp>
+    </p:spTree>
+    <p:extLst>
+      <p:ext uri="{BB962C8B-B14F-4D97-AF65-F5344CB8AC3E}">
+        <p14:creationId xmlns:p14="http://schemas.microsoft.com/office/powerpoint/2010/main" val="3570216937"/>
+      </p:ext>
+    </p:extLst>
+  </p:cSld>
+  <p:clrMap bg1="lt1" tx1="dk1" bg2="lt2" tx2="dk2" accent1="accent1" accent2="accent2" accent3="accent3" accent4="accent4" accent5="accent5" accent6="accent6" hlink="hlink" folHlink="folHlink"/>
+  <p:notesStyle>
+    <a:lvl1pPr marL="0" algn="l" defTabSz="457200" rtl="0" eaLnBrk="1" latinLnBrk="0" hangingPunct="1">
+      <a:defRPr sz="1200" kern="1200">
+        <a:solidFill>
+          <a:schemeClr val="tx1"/>
+        </a:solidFill>
+        <a:latin typeface="+mn-lt"/>
+        <a:ea typeface="+mn-ea"/>
+        <a:cs typeface="+mn-cs"/>
+      </a:defRPr>
+    </a:lvl1pPr>
+    <a:lvl2pPr marL="457200" algn="l" defTabSz="457200" rtl="0" eaLnBrk="1" latinLnBrk="0" hangingPunct="1">
+      <a:defRPr sz="1200" kern="1200">
+        <a:solidFill>
+          <a:schemeClr val="tx1"/>
+        </a:solidFill>
+        <a:latin typeface="+mn-lt"/>
+        <a:ea typeface="+mn-ea"/>
+        <a:cs typeface="+mn-cs"/>
+      </a:defRPr>
+    </a:lvl2pPr>
+    <a:lvl3pPr marL="914400" algn="l" defTabSz="457200" rtl="0" eaLnBrk="1" latinLnBrk="0" hangingPunct="1">
+      <a:defRPr sz="1200" kern="1200">
+        <a:solidFill>
+          <a:schemeClr val="tx1"/>
+        </a:solidFill>
+        <a:latin typeface="+mn-lt"/>
+        <a:ea typeface="+mn-ea"/>
+        <a:cs typeface="+mn-cs"/>
+      </a:defRPr>
+    </a:lvl3pPr>
+    <a:lvl4pPr marL="1371600" algn="l" defTabSz="457200" rtl="0" eaLnBrk="1" latinLnBrk="0" hangingPunct="1">
+      <a:defRPr sz="1200" kern="1200">
+        <a:solidFill>
+          <a:schemeClr val="tx1"/>
+        </a:solidFill>
+        <a:latin typeface="+mn-lt"/>
+        <a:ea typeface="+mn-ea"/>
+        <a:cs typeface="+mn-cs"/>
+      </a:defRPr>
+    </a:lvl4pPr>
+    <a:lvl5pPr marL="1828800" algn="l" defTabSz="457200" rtl="0" eaLnBrk="1" latinLnBrk="0" hangingPunct="1">
+      <a:defRPr sz="1200" kern="1200">
+        <a:solidFill>
+          <a:schemeClr val="tx1"/>
+        </a:solidFill>
+        <a:latin typeface="+mn-lt"/>
+        <a:ea typeface="+mn-ea"/>
+        <a:cs typeface="+mn-cs"/>
+      </a:defRPr>
+    </a:lvl5pPr>
+    <a:lvl6pPr marL="2286000" algn="l" defTabSz="457200" rtl="0" eaLnBrk="1" latinLnBrk="0" hangingPunct="1">
+      <a:defRPr sz="1200" kern="1200">
+        <a:solidFill>
+          <a:schemeClr val="tx1"/>
+        </a:solidFill>
+        <a:latin typeface="+mn-lt"/>
+        <a:ea typeface="+mn-ea"/>
+        <a:cs typeface="+mn-cs"/>
+      </a:defRPr>
+    </a:lvl6pPr>
+    <a:lvl7pPr marL="2743200" algn="l" defTabSz="457200" rtl="0" eaLnBrk="1" latinLnBrk="0" hangingPunct="1">
+      <a:defRPr sz="1200" kern="1200">
+        <a:solidFill>
+          <a:schemeClr val="tx1"/>
+        </a:solidFill>
+        <a:latin typeface="+mn-lt"/>
+        <a:ea typeface="+mn-ea"/>
+        <a:cs typeface="+mn-cs"/>
+      </a:defRPr>
+    </a:lvl7pPr>
+    <a:lvl8pPr marL="3200400" algn="l" defTabSz="457200" rtl="0" eaLnBrk="1" latinLnBrk="0" hangingPunct="1">
+      <a:defRPr sz="1200" kern="1200">
+        <a:solidFill>
+          <a:schemeClr val="tx1"/>
+        </a:solidFill>
+        <a:latin typeface="+mn-lt"/>
+        <a:ea typeface="+mn-ea"/>
+        <a:cs typeface="+mn-cs"/>
+      </a:defRPr>
+    </a:lvl8pPr>
+    <a:lvl9pPr marL="3657600" algn="l" defTabSz="457200" rtl="0" eaLnBrk="1" latinLnBrk="0" hangingPunct="1">
+      <a:defRPr sz="1200" kern="1200">
+        <a:solidFill>
+          <a:schemeClr val="tx1"/>
+        </a:solidFill>
+        <a:latin typeface="+mn-lt"/>
+        <a:ea typeface="+mn-ea"/>
+        <a:cs typeface="+mn-cs"/>
+      </a:defRPr>
+    </a:lvl9pPr>
+  </p:notesStyle>
+</p:notesMaster>
+</file>
+
+<file path=ppt/notesSlides/notesSlide1.xml><?xml version="1.0" encoding="utf-8"?>
+<p:notes xmlns:a="http://schemas.openxmlformats.org/drawingml/2006/main" xmlns:r="http://schemas.openxmlformats.org/officeDocument/2006/relationships" xmlns:p="http://schemas.openxmlformats.org/presentationml/2006/main">
+  <p:cSld>
+    <p:spTree>
+      <p:nvGrpSpPr>
+        <p:cNvPr id="1" name=""/>
+        <p:cNvGrpSpPr/>
+        <p:nvPr/>
+      </p:nvGrpSpPr>
+      <p:grpSpPr>
+        <a:xfrm>
+          <a:off x="0" y="0"/>
+          <a:ext cx="0" cy="0"/>
+          <a:chOff x="0" y="0"/>
+          <a:chExt cx="0" cy="0"/>
+        </a:xfrm>
+      </p:grpSpPr>
+      <p:sp>
+        <p:nvSpPr>
+          <p:cNvPr id="2" name="Slide Image Placeholder 1"/>
+          <p:cNvSpPr>
+            <a:spLocks noGrp="1" noRot="1" noChangeAspect="1"/>
+          </p:cNvSpPr>
+          <p:nvPr>
+            <p:ph type="sldImg"/>
+          </p:nvPr>
+        </p:nvSpPr>
+        <p:spPr/>
+      </p:sp>
+      <p:sp>
+        <p:nvSpPr>
+          <p:cNvPr id="3" name="Notes Placeholder 2"/>
+          <p:cNvSpPr>
+            <a:spLocks noGrp="1"/>
+          </p:cNvSpPr>
+          <p:nvPr>
+            <p:ph type="body" idx="1"/>
+          </p:nvPr>
+        </p:nvSpPr>
+        <p:spPr/>
+        <p:txBody>
+          <a:bodyPr/>
+          <a:lstStyle/>
+          <a:p>
+            <a:endParaRPr lang="en-US" dirty="0"/>
+          </a:p>
+        </p:txBody>
+      </p:sp>
+      <p:sp>
+        <p:nvSpPr>
+          <p:cNvPr id="4" name="Slide Number Placeholder 3"/>
+          <p:cNvSpPr>
+            <a:spLocks noGrp="1"/>
+          </p:cNvSpPr>
+          <p:nvPr>
+            <p:ph type="sldNum" sz="quarter" idx="10"/>
+          </p:nvPr>
+        </p:nvSpPr>
+        <p:spPr/>
+        <p:txBody>
+          <a:bodyPr/>
+          <a:lstStyle/>
+          <a:p>
+            <a:fld id="{C41573AF-D93F-2D48-A485-A84534C0726B}" type="slidenum">
+              <a:rPr lang="en-US" smtClean="0"/>
+              <a:t>9</a:t>
+            </a:fld>
+            <a:endParaRPr lang="en-US"/>
+          </a:p>
+        </p:txBody>
+      </p:sp>
+    </p:spTree>
+    <p:extLst>
+      <p:ext uri="{BB962C8B-B14F-4D97-AF65-F5344CB8AC3E}">
+        <p14:creationId xmlns:p14="http://schemas.microsoft.com/office/powerpoint/2010/main" val="3678244833"/>
+      </p:ext>
+    </p:extLst>
+  </p:cSld>
+  <p:clrMapOvr>
+    <a:masterClrMapping/>
+  </p:clrMapOvr>
+</p:notes>
 </file>
 
 <file path=ppt/slideLayouts/slideLayout1.xml><?xml version="1.0" encoding="utf-8"?>
@@ -310,7 +748,7 @@
           <a:p>
             <a:fld id="{226C7FB1-4831-6A4C-9DF2-6EA9AA49499B}" type="datetimeFigureOut">
               <a:rPr lang="en-US" smtClean="0"/>
-              <a:t>8/1/18</a:t>
+              <a:t>10/1/18</a:t>
             </a:fld>
             <a:endParaRPr lang="en-US"/>
           </a:p>
@@ -478,7 +916,7 @@
           <a:p>
             <a:fld id="{226C7FB1-4831-6A4C-9DF2-6EA9AA49499B}" type="datetimeFigureOut">
               <a:rPr lang="en-US" smtClean="0"/>
-              <a:t>8/1/18</a:t>
+              <a:t>10/1/18</a:t>
             </a:fld>
             <a:endParaRPr lang="en-US"/>
           </a:p>
@@ -656,7 +1094,7 @@
           <a:p>
             <a:fld id="{226C7FB1-4831-6A4C-9DF2-6EA9AA49499B}" type="datetimeFigureOut">
               <a:rPr lang="en-US" smtClean="0"/>
-              <a:t>8/1/18</a:t>
+              <a:t>10/1/18</a:t>
             </a:fld>
             <a:endParaRPr lang="en-US"/>
           </a:p>
@@ -824,7 +1262,7 @@
           <a:p>
             <a:fld id="{226C7FB1-4831-6A4C-9DF2-6EA9AA49499B}" type="datetimeFigureOut">
               <a:rPr lang="en-US" smtClean="0"/>
-              <a:t>8/1/18</a:t>
+              <a:t>10/1/18</a:t>
             </a:fld>
             <a:endParaRPr lang="en-US"/>
           </a:p>
@@ -1069,7 +1507,7 @@
           <a:p>
             <a:fld id="{226C7FB1-4831-6A4C-9DF2-6EA9AA49499B}" type="datetimeFigureOut">
               <a:rPr lang="en-US" smtClean="0"/>
-              <a:t>8/1/18</a:t>
+              <a:t>10/1/18</a:t>
             </a:fld>
             <a:endParaRPr lang="en-US"/>
           </a:p>
@@ -1354,7 +1792,7 @@
           <a:p>
             <a:fld id="{226C7FB1-4831-6A4C-9DF2-6EA9AA49499B}" type="datetimeFigureOut">
               <a:rPr lang="en-US" smtClean="0"/>
-              <a:t>8/1/18</a:t>
+              <a:t>10/1/18</a:t>
             </a:fld>
             <a:endParaRPr lang="en-US"/>
           </a:p>
@@ -1778,7 +2216,7 @@
           <a:p>
             <a:fld id="{226C7FB1-4831-6A4C-9DF2-6EA9AA49499B}" type="datetimeFigureOut">
               <a:rPr lang="en-US" smtClean="0"/>
-              <a:t>8/1/18</a:t>
+              <a:t>10/1/18</a:t>
             </a:fld>
             <a:endParaRPr lang="en-US"/>
           </a:p>
@@ -1895,7 +2333,7 @@
           <a:p>
             <a:fld id="{226C7FB1-4831-6A4C-9DF2-6EA9AA49499B}" type="datetimeFigureOut">
               <a:rPr lang="en-US" smtClean="0"/>
-              <a:t>8/1/18</a:t>
+              <a:t>10/1/18</a:t>
             </a:fld>
             <a:endParaRPr lang="en-US"/>
           </a:p>
@@ -1990,7 +2428,7 @@
           <a:p>
             <a:fld id="{226C7FB1-4831-6A4C-9DF2-6EA9AA49499B}" type="datetimeFigureOut">
               <a:rPr lang="en-US" smtClean="0"/>
-              <a:t>8/1/18</a:t>
+              <a:t>10/1/18</a:t>
             </a:fld>
             <a:endParaRPr lang="en-US"/>
           </a:p>
@@ -2265,7 +2703,7 @@
           <a:p>
             <a:fld id="{226C7FB1-4831-6A4C-9DF2-6EA9AA49499B}" type="datetimeFigureOut">
               <a:rPr lang="en-US" smtClean="0"/>
-              <a:t>8/1/18</a:t>
+              <a:t>10/1/18</a:t>
             </a:fld>
             <a:endParaRPr lang="en-US"/>
           </a:p>
@@ -2517,7 +2955,7 @@
           <a:p>
             <a:fld id="{226C7FB1-4831-6A4C-9DF2-6EA9AA49499B}" type="datetimeFigureOut">
               <a:rPr lang="en-US" smtClean="0"/>
-              <a:t>8/1/18</a:t>
+              <a:t>10/1/18</a:t>
             </a:fld>
             <a:endParaRPr lang="en-US"/>
           </a:p>
@@ -2728,7 +3166,7 @@
           <a:p>
             <a:fld id="{226C7FB1-4831-6A4C-9DF2-6EA9AA49499B}" type="datetimeFigureOut">
               <a:rPr lang="en-US" smtClean="0"/>
-              <a:t>8/1/18</a:t>
+              <a:t>10/1/18</a:t>
             </a:fld>
             <a:endParaRPr lang="en-US"/>
           </a:p>
@@ -3203,6 +3641,97 @@
 </p:sld>
 </file>
 
+<file path=ppt/slides/slide10.xml><?xml version="1.0" encoding="utf-8"?>
+<p:sld xmlns:a="http://schemas.openxmlformats.org/drawingml/2006/main" xmlns:r="http://schemas.openxmlformats.org/officeDocument/2006/relationships" xmlns:p="http://schemas.openxmlformats.org/presentationml/2006/main">
+  <p:cSld>
+    <p:bg>
+      <p:bgPr>
+        <a:solidFill>
+          <a:schemeClr val="tx1"/>
+        </a:solidFill>
+        <a:effectLst/>
+      </p:bgPr>
+    </p:bg>
+    <p:spTree>
+      <p:nvGrpSpPr>
+        <p:cNvPr id="1" name=""/>
+        <p:cNvGrpSpPr/>
+        <p:nvPr/>
+      </p:nvGrpSpPr>
+      <p:grpSpPr>
+        <a:xfrm>
+          <a:off x="0" y="0"/>
+          <a:ext cx="0" cy="0"/>
+          <a:chOff x="0" y="0"/>
+          <a:chExt cx="0" cy="0"/>
+        </a:xfrm>
+      </p:grpSpPr>
+      <p:sp>
+        <p:nvSpPr>
+          <p:cNvPr id="2" name="Title 1"/>
+          <p:cNvSpPr>
+            <a:spLocks noGrp="1"/>
+          </p:cNvSpPr>
+          <p:nvPr>
+            <p:ph type="ctrTitle"/>
+          </p:nvPr>
+        </p:nvSpPr>
+        <p:spPr>
+          <a:xfrm>
+            <a:off x="0" y="173918"/>
+            <a:ext cx="4578662" cy="4163620"/>
+          </a:xfrm>
+        </p:spPr>
+        <p:txBody>
+          <a:bodyPr>
+            <a:noAutofit/>
+          </a:bodyPr>
+          <a:lstStyle/>
+          <a:p>
+            <a:r>
+              <a:rPr lang="en-US" sz="9600" b="1" dirty="0">
+                <a:solidFill>
+                  <a:srgbClr val="FF0000"/>
+                </a:solidFill>
+              </a:rPr>
+              <a:t>491</a:t>
+            </a:r>
+            <a:br>
+              <a:rPr lang="en-US" sz="9600" b="1" dirty="0">
+                <a:solidFill>
+                  <a:srgbClr val="FF0000"/>
+                </a:solidFill>
+              </a:rPr>
+            </a:br>
+            <a:r>
+              <a:rPr lang="en-US" sz="9600" b="1" dirty="0">
+                <a:solidFill>
+                  <a:srgbClr val="FF0000"/>
+                </a:solidFill>
+              </a:rPr>
+              <a:t>f17</a:t>
+            </a:r>
+            <a:endParaRPr lang="en-US" sz="9600" b="1" dirty="0">
+              <a:solidFill>
+                <a:srgbClr val="00BDFF"/>
+              </a:solidFill>
+            </a:endParaRPr>
+          </a:p>
+        </p:txBody>
+      </p:sp>
+    </p:spTree>
+    <p:extLst>
+      <p:ext uri="{BB962C8B-B14F-4D97-AF65-F5344CB8AC3E}">
+        <p14:creationId xmlns:p14="http://schemas.microsoft.com/office/powerpoint/2010/main" val="702304255"/>
+      </p:ext>
+    </p:extLst>
+  </p:cSld>
+  <p:clrMapOvr>
+    <a:masterClrMapping/>
+  </p:clrMapOvr>
+</p:sld>
+</file>
+
 <file path=ppt/slides/slide2.xml><?xml version="1.0" encoding="utf-8"?>
 <p:sld xmlns:a="http://schemas.openxmlformats.org/drawingml/2006/main" xmlns:r="http://schemas.openxmlformats.org/officeDocument/2006/relationships" xmlns:p="http://schemas.openxmlformats.org/presentationml/2006/main">
   <p:cSld>
@@ -3927,7 +4456,10 @@
     <p:bg>
       <p:bgPr>
         <a:solidFill>
-          <a:schemeClr val="tx1"/>
+          <a:schemeClr val="accent1">
+            <a:lumMod val="40000"/>
+            <a:lumOff val="60000"/>
+          </a:schemeClr>
         </a:solidFill>
         <a:effectLst/>
       </p:bgPr>
@@ -3971,38 +4503,68 @@
             <a:r>
               <a:rPr lang="en-US" sz="9600" b="1" dirty="0">
                 <a:solidFill>
-                  <a:srgbClr val="FF0000"/>
+                  <a:schemeClr val="accent6">
+                    <a:lumMod val="75000"/>
+                  </a:schemeClr>
                 </a:solidFill>
               </a:rPr>
-              <a:t>491</a:t>
+              <a:t>HSJ</a:t>
             </a:r>
             <a:br>
               <a:rPr lang="en-US" sz="9600" b="1" dirty="0">
                 <a:solidFill>
-                  <a:srgbClr val="FF0000"/>
+                  <a:schemeClr val="accent6">
+                    <a:lumMod val="75000"/>
+                  </a:schemeClr>
                 </a:solidFill>
               </a:rPr>
             </a:br>
             <a:r>
+              <a:rPr lang="en-US" sz="9600" b="1" dirty="0" smtClean="0">
+                <a:solidFill>
+                  <a:schemeClr val="accent6">
+                    <a:lumMod val="75000"/>
+                  </a:schemeClr>
+                </a:solidFill>
+              </a:rPr>
+              <a:t>Aug</a:t>
+            </a:r>
+            <a:r>
               <a:rPr lang="en-US" sz="9600" b="1" dirty="0">
                 <a:solidFill>
-                  <a:srgbClr val="FF0000"/>
+                  <a:schemeClr val="accent6">
+                    <a:lumMod val="75000"/>
+                  </a:schemeClr>
                 </a:solidFill>
               </a:rPr>
-              <a:t>f17</a:t>
-            </a:r>
-            <a:endParaRPr lang="en-US" sz="9600" b="1" dirty="0">
-              <a:solidFill>
-                <a:srgbClr val="00BDFF"/>
-              </a:solidFill>
-            </a:endParaRPr>
+              <a:t/>
+            </a:r>
+            <a:br>
+              <a:rPr lang="en-US" sz="9600" b="1" dirty="0">
+                <a:solidFill>
+                  <a:schemeClr val="accent6">
+                    <a:lumMod val="75000"/>
+                  </a:schemeClr>
+                </a:solidFill>
+              </a:rPr>
+            </a:br>
+            <a:r>
+              <a:rPr lang="en-US" sz="9600" b="1" dirty="0">
+                <a:solidFill>
+                  <a:schemeClr val="accent6">
+                    <a:lumMod val="75000"/>
+                  </a:schemeClr>
+                </a:solidFill>
+              </a:rPr>
+              <a:t>2018</a:t>
+            </a:r>
           </a:p>
         </p:txBody>
       </p:sp>
     </p:spTree>
     <p:extLst>
       <p:ext uri="{BB962C8B-B14F-4D97-AF65-F5344CB8AC3E}">
-        <p14:creationId xmlns:p14="http://schemas.microsoft.com/office/powerpoint/2010/main" val="702304255"/>
+        <p14:creationId xmlns:p14="http://schemas.microsoft.com/office/powerpoint/2010/main" val="113409256"/>
       </p:ext>
     </p:extLst>
   </p:cSld>
@@ -4330,4 +4892,324 @@
   </a:objectDefaults>
   <a:extraClrSchemeLst/>
 </a:theme>
+</file>
+
+<file path=ppt/theme/theme2.xml><?xml version="1.0" encoding="utf-8"?>
+<a:theme xmlns:a="http://schemas.openxmlformats.org/drawingml/2006/main" name="Office Theme">
+  <a:themeElements>
+    <a:clrScheme name="Office">
+      <a:dk1>
+        <a:sysClr val="windowText" lastClr="000000"/>
+      </a:dk1>
+      <a:lt1>
+        <a:sysClr val="window" lastClr="FFFFFF"/>
+      </a:lt1>
+      <a:dk2>
+        <a:srgbClr val="1F497D"/>
+      </a:dk2>
+      <a:lt2>
+        <a:srgbClr val="EEECE1"/>
+      </a:lt2>
+      <a:accent1>
+        <a:srgbClr val="4F81BD"/>
+      </a:accent1>
+      <a:accent2>
+        <a:srgbClr val="C0504D"/>
+      </a:accent2>
+      <a:accent3>
+        <a:srgbClr val="9BBB59"/>
+      </a:accent3>
+      <a:accent4>
+        <a:srgbClr val="8064A2"/>
+      </a:accent4>
+      <a:accent5>
+        <a:srgbClr val="4BACC6"/>
+      </a:accent5>
+      <a:accent6>
+        <a:srgbClr val="F79646"/>
+      </a:accent6>
+      <a:hlink>
+        <a:srgbClr val="0000FF"/>
+      </a:hlink>
+      <a:folHlink>
+        <a:srgbClr val="800080"/>
+      </a:folHlink>
+    </a:clrScheme>
+    <a:fontScheme name="Office">
+      <a:majorFont>
+        <a:latin typeface="Calibri"/>
+        <a:ea typeface=""/>
+        <a:cs typeface=""/>
+        <a:font script="Jpan" typeface="ＭＳ Ｐゴシック"/>
+        <a:font script="Hang" typeface="맑은 고딕"/>
+        <a:font script="Hans" typeface="宋体"/>
+        <a:font script="Hant" typeface="新細明體"/>
+        <a:font script="Arab" typeface="Times New Roman"/>
+        <a:font script="Hebr" typeface="Times New Roman"/>
+        <a:font script="Thai" typeface="Angsana New"/>
+        <a:font script="Ethi" typeface="Nyala"/>
+        <a:font script="Beng" typeface="Vrinda"/>
+        <a:font script="Gujr" typeface="Shruti"/>
+        <a:font script="Khmr" typeface="MoolBoran"/>
+        <a:font script="Knda" typeface="Tunga"/>
+        <a:font script="Guru" typeface="Raavi"/>
+        <a:font script="Cans" typeface="Euphemia"/>
+        <a:font script="Cher" typeface="Plantagenet Cherokee"/>
+        <a:font script="Yiii" typeface="Microsoft Yi Baiti"/>
+        <a:font script="Tibt" typeface="Microsoft Himalaya"/>
+        <a:font script="Thaa" typeface="MV Boli"/>
+        <a:font script="Deva" typeface="Mangal"/>
+        <a:font script="Telu" typeface="Gautami"/>
+        <a:font script="Taml" typeface="Latha"/>
+        <a:font script="Syrc" typeface="Estrangelo Edessa"/>
+        <a:font script="Orya" typeface="Kalinga"/>
+        <a:font script="Mlym" typeface="Kartika"/>
+        <a:font script="Laoo" typeface="DokChampa"/>
+        <a:font script="Sinh" typeface="Iskoola Pota"/>
+        <a:font script="Mong" typeface="Mongolian Baiti"/>
+        <a:font script="Viet" typeface="Times New Roman"/>
+        <a:font script="Uigh" typeface="Microsoft Uighur"/>
+        <a:font script="Geor" typeface="Sylfaen"/>
+      </a:majorFont>
+      <a:minorFont>
+        <a:latin typeface="Calibri"/>
+        <a:ea typeface=""/>
+        <a:cs typeface=""/>
+        <a:font script="Jpan" typeface="ＭＳ Ｐゴシック"/>
+        <a:font script="Hang" typeface="맑은 고딕"/>
+        <a:font script="Hans" typeface="宋体"/>
+        <a:font script="Hant" typeface="新細明體"/>
+        <a:font script="Arab" typeface="Arial"/>
+        <a:font script="Hebr" typeface="Arial"/>
+        <a:font script="Thai" typeface="Cordia New"/>
+        <a:font script="Ethi" typeface="Nyala"/>
+        <a:font script="Beng" typeface="Vrinda"/>
+        <a:font script="Gujr" typeface="Shruti"/>
+        <a:font script="Khmr" typeface="DaunPenh"/>
+        <a:font script="Knda" typeface="Tunga"/>
+        <a:font script="Guru" typeface="Raavi"/>
+        <a:font script="Cans" typeface="Euphemia"/>
+        <a:font script="Cher" typeface="Plantagenet Cherokee"/>
+        <a:font script="Yiii" typeface="Microsoft Yi Baiti"/>
+        <a:font script="Tibt" typeface="Microsoft Himalaya"/>
+        <a:font script="Thaa" typeface="MV Boli"/>
+        <a:font script="Deva" typeface="Mangal"/>
+        <a:font script="Telu" typeface="Gautami"/>
+        <a:font script="Taml" typeface="Latha"/>
+        <a:font script="Syrc" typeface="Estrangelo Edessa"/>
+        <a:font script="Orya" typeface="Kalinga"/>
+        <a:font script="Mlym" typeface="Kartika"/>
+        <a:font script="Laoo" typeface="DokChampa"/>
+        <a:font script="Sinh" typeface="Iskoola Pota"/>
+        <a:font script="Mong" typeface="Mongolian Baiti"/>
+        <a:font script="Viet" typeface="Arial"/>
+        <a:font script="Uigh" typeface="Microsoft Uighur"/>
+        <a:font script="Geor" typeface="Sylfaen"/>
+      </a:minorFont>
+    </a:fontScheme>
+    <a:fmtScheme name="Office">
+      <a:fillStyleLst>
+        <a:solidFill>
+          <a:schemeClr val="phClr"/>
+        </a:solidFill>
+        <a:gradFill rotWithShape="1">
+          <a:gsLst>
+            <a:gs pos="0">
+              <a:schemeClr val="phClr">
+                <a:tint val="50000"/>
+                <a:satMod val="300000"/>
+              </a:schemeClr>
+            </a:gs>
+            <a:gs pos="35000">
+              <a:schemeClr val="phClr">
+                <a:tint val="37000"/>
+                <a:satMod val="300000"/>
+              </a:schemeClr>
+            </a:gs>
+            <a:gs pos="100000">
+              <a:schemeClr val="phClr">
+                <a:tint val="15000"/>
+                <a:satMod val="350000"/>
+              </a:schemeClr>
+            </a:gs>
+          </a:gsLst>
+          <a:lin ang="16200000" scaled="1"/>
+        </a:gradFill>
+        <a:gradFill rotWithShape="1">
+          <a:gsLst>
+            <a:gs pos="0">
+              <a:schemeClr val="phClr">
+                <a:tint val="100000"/>
+                <a:shade val="100000"/>
+                <a:satMod val="130000"/>
+              </a:schemeClr>
+            </a:gs>
+            <a:gs pos="100000">
+              <a:schemeClr val="phClr">
+                <a:tint val="50000"/>
+                <a:shade val="100000"/>
+                <a:satMod val="350000"/>
+              </a:schemeClr>
+            </a:gs>
+          </a:gsLst>
+          <a:lin ang="16200000" scaled="0"/>
+        </a:gradFill>
+      </a:fillStyleLst>
+      <a:lnStyleLst>
+        <a:ln w="9525" cap="flat" cmpd="sng" algn="ctr">
+          <a:solidFill>
+            <a:schemeClr val="phClr">
+              <a:shade val="95000"/>
+              <a:satMod val="105000"/>
+            </a:schemeClr>
+          </a:solidFill>
+          <a:prstDash val="solid"/>
+        </a:ln>
+        <a:ln w="25400" cap="flat" cmpd="sng" algn="ctr">
+          <a:solidFill>
+            <a:schemeClr val="phClr"/>
+          </a:solidFill>
+          <a:prstDash val="solid"/>
+        </a:ln>
+        <a:ln w="38100" cap="flat" cmpd="sng" algn="ctr">
+          <a:solidFill>
+            <a:schemeClr val="phClr"/>
+          </a:solidFill>
+          <a:prstDash val="solid"/>
+        </a:ln>
+      </a:lnStyleLst>
+      <a:effectStyleLst>
+        <a:effectStyle>
+          <a:effectLst>
+            <a:outerShdw blurRad="40000" dist="20000" dir="5400000" rotWithShape="0">
+              <a:srgbClr val="000000">
+                <a:alpha val="38000"/>
+              </a:srgbClr>
+            </a:outerShdw>
+          </a:effectLst>
+        </a:effectStyle>
+        <a:effectStyle>
+          <a:effectLst>
+            <a:outerShdw blurRad="40000" dist="23000" dir="5400000" rotWithShape="0">
+              <a:srgbClr val="000000">
+                <a:alpha val="35000"/>
+              </a:srgbClr>
+            </a:outerShdw>
+          </a:effectLst>
+        </a:effectStyle>
+        <a:effectStyle>
+          <a:effectLst>
+            <a:outerShdw blurRad="40000" dist="23000" dir="5400000" rotWithShape="0">
+              <a:srgbClr val="000000">
+                <a:alpha val="35000"/>
+              </a:srgbClr>
+            </a:outerShdw>
+          </a:effectLst>
+          <a:scene3d>
+            <a:camera prst="orthographicFront">
+              <a:rot lat="0" lon="0" rev="0"/>
+            </a:camera>
+            <a:lightRig rig="threePt" dir="t">
+              <a:rot lat="0" lon="0" rev="1200000"/>
+            </a:lightRig>
+          </a:scene3d>
+          <a:sp3d>
+            <a:bevelT w="63500" h="25400"/>
+          </a:sp3d>
+        </a:effectStyle>
+      </a:effectStyleLst>
+      <a:bgFillStyleLst>
+        <a:solidFill>
+          <a:schemeClr val="phClr"/>
+        </a:solidFill>
+        <a:gradFill rotWithShape="1">
+          <a:gsLst>
+            <a:gs pos="0">
+              <a:schemeClr val="phClr">
+                <a:tint val="40000"/>
+                <a:satMod val="350000"/>
+              </a:schemeClr>
+            </a:gs>
+            <a:gs pos="40000">
+              <a:schemeClr val="phClr">
+                <a:tint val="45000"/>
+                <a:shade val="99000"/>
+                <a:satMod val="350000"/>
+              </a:schemeClr>
+            </a:gs>
+            <a:gs pos="100000">
+              <a:schemeClr val="phClr">
+                <a:shade val="20000"/>
+                <a:satMod val="255000"/>
+              </a:schemeClr>
+            </a:gs>
+          </a:gsLst>
+          <a:path path="circle">
+            <a:fillToRect l="50000" t="-80000" r="50000" b="180000"/>
+          </a:path>
+        </a:gradFill>
+        <a:gradFill rotWithShape="1">
+          <a:gsLst>
+            <a:gs pos="0">
+              <a:schemeClr val="phClr">
+                <a:tint val="80000"/>
+                <a:satMod val="300000"/>
+              </a:schemeClr>
+            </a:gs>
+            <a:gs pos="100000">
+              <a:schemeClr val="phClr">
+                <a:shade val="30000"/>
+                <a:satMod val="200000"/>
+              </a:schemeClr>
+            </a:gs>
+          </a:gsLst>
+          <a:path path="circle">
+            <a:fillToRect l="50000" t="50000" r="50000" b="50000"/>
+          </a:path>
+        </a:gradFill>
+      </a:bgFillStyleLst>
+    </a:fmtScheme>
+  </a:themeElements>
+  <a:objectDefaults>
+    <a:spDef>
+      <a:spPr/>
+      <a:bodyPr/>
+      <a:lstStyle/>
+      <a:style>
+        <a:lnRef idx="1">
+          <a:schemeClr val="accent1"/>
+        </a:lnRef>
+        <a:fillRef idx="3">
+          <a:schemeClr val="accent1"/>
+        </a:fillRef>
+        <a:effectRef idx="2">
+          <a:schemeClr val="accent1"/>
+        </a:effectRef>
+        <a:fontRef idx="minor">
+          <a:schemeClr val="lt1"/>
+        </a:fontRef>
+      </a:style>
+    </a:spDef>
+    <a:lnDef>
+      <a:spPr/>
+      <a:bodyPr/>
+      <a:lstStyle/>
+      <a:style>
+        <a:lnRef idx="2">
+          <a:schemeClr val="accent1"/>
+        </a:lnRef>
+        <a:fillRef idx="0">
+          <a:schemeClr val="accent1"/>
+        </a:fillRef>
+        <a:effectRef idx="1">
+          <a:schemeClr val="accent1"/>
+        </a:effectRef>
+        <a:fontRef idx="minor">
+          <a:schemeClr val="tx1"/>
+        </a:fontRef>
+      </a:style>
+    </a:lnDef>
+  </a:objectDefaults>
+  <a:extraClrSchemeLst/>
+</a:theme>
 </file>
--- a/resources/soundcloud.pptx
+++ b/resources/soundcloud.pptx
@@ -5,19 +5,20 @@
     <p:sldMasterId id="2147483648" r:id="rId1"/>
   </p:sldMasterIdLst>
   <p:notesMasterIdLst>
-    <p:notesMasterId r:id="rId12"/>
+    <p:notesMasterId r:id="rId13"/>
   </p:notesMasterIdLst>
   <p:sldIdLst>
     <p:sldId id="256" r:id="rId2"/>
     <p:sldId id="259" r:id="rId3"/>
     <p:sldId id="265" r:id="rId4"/>
     <p:sldId id="262" r:id="rId5"/>
-    <p:sldId id="263" r:id="rId6"/>
-    <p:sldId id="260" r:id="rId7"/>
-    <p:sldId id="261" r:id="rId8"/>
-    <p:sldId id="264" r:id="rId9"/>
-    <p:sldId id="266" r:id="rId10"/>
-    <p:sldId id="258" r:id="rId11"/>
+    <p:sldId id="267" r:id="rId6"/>
+    <p:sldId id="263" r:id="rId7"/>
+    <p:sldId id="260" r:id="rId8"/>
+    <p:sldId id="261" r:id="rId9"/>
+    <p:sldId id="264" r:id="rId10"/>
+    <p:sldId id="266" r:id="rId11"/>
+    <p:sldId id="258" r:id="rId12"/>
   </p:sldIdLst>
   <p:sldSz cx="4572000" cy="4572000"/>
   <p:notesSz cx="6858000" cy="9144000"/>
@@ -217,7 +218,7 @@
           <a:p>
             <a:fld id="{08B30D70-D9E6-0042-997C-79AA6B350E63}" type="datetimeFigureOut">
               <a:rPr lang="en-US" smtClean="0"/>
-              <a:t>10/1/18</a:t>
+              <a:t>1/14/19</a:t>
             </a:fld>
             <a:endParaRPr lang="en-US"/>
           </a:p>
@@ -550,7 +551,7 @@
           <a:p>
             <a:fld id="{C41573AF-D93F-2D48-A485-A84534C0726B}" type="slidenum">
               <a:rPr lang="en-US" smtClean="0"/>
-              <a:t>9</a:t>
+              <a:t>10</a:t>
             </a:fld>
             <a:endParaRPr lang="en-US"/>
           </a:p>
@@ -748,7 +749,7 @@
           <a:p>
             <a:fld id="{226C7FB1-4831-6A4C-9DF2-6EA9AA49499B}" type="datetimeFigureOut">
               <a:rPr lang="en-US" smtClean="0"/>
-              <a:t>10/1/18</a:t>
+              <a:t>1/14/19</a:t>
             </a:fld>
             <a:endParaRPr lang="en-US"/>
           </a:p>
@@ -916,7 +917,7 @@
           <a:p>
             <a:fld id="{226C7FB1-4831-6A4C-9DF2-6EA9AA49499B}" type="datetimeFigureOut">
               <a:rPr lang="en-US" smtClean="0"/>
-              <a:t>10/1/18</a:t>
+              <a:t>1/14/19</a:t>
             </a:fld>
             <a:endParaRPr lang="en-US"/>
           </a:p>
@@ -1094,7 +1095,7 @@
           <a:p>
             <a:fld id="{226C7FB1-4831-6A4C-9DF2-6EA9AA49499B}" type="datetimeFigureOut">
               <a:rPr lang="en-US" smtClean="0"/>
-              <a:t>10/1/18</a:t>
+              <a:t>1/14/19</a:t>
             </a:fld>
             <a:endParaRPr lang="en-US"/>
           </a:p>
@@ -1262,7 +1263,7 @@
           <a:p>
             <a:fld id="{226C7FB1-4831-6A4C-9DF2-6EA9AA49499B}" type="datetimeFigureOut">
               <a:rPr lang="en-US" smtClean="0"/>
-              <a:t>10/1/18</a:t>
+              <a:t>1/14/19</a:t>
             </a:fld>
             <a:endParaRPr lang="en-US"/>
           </a:p>
@@ -1507,7 +1508,7 @@
           <a:p>
             <a:fld id="{226C7FB1-4831-6A4C-9DF2-6EA9AA49499B}" type="datetimeFigureOut">
               <a:rPr lang="en-US" smtClean="0"/>
-              <a:t>10/1/18</a:t>
+              <a:t>1/14/19</a:t>
             </a:fld>
             <a:endParaRPr lang="en-US"/>
           </a:p>
@@ -1792,7 +1793,7 @@
           <a:p>
             <a:fld id="{226C7FB1-4831-6A4C-9DF2-6EA9AA49499B}" type="datetimeFigureOut">
               <a:rPr lang="en-US" smtClean="0"/>
-              <a:t>10/1/18</a:t>
+              <a:t>1/14/19</a:t>
             </a:fld>
             <a:endParaRPr lang="en-US"/>
           </a:p>
@@ -2216,7 +2217,7 @@
           <a:p>
             <a:fld id="{226C7FB1-4831-6A4C-9DF2-6EA9AA49499B}" type="datetimeFigureOut">
               <a:rPr lang="en-US" smtClean="0"/>
-              <a:t>10/1/18</a:t>
+              <a:t>1/14/19</a:t>
             </a:fld>
             <a:endParaRPr lang="en-US"/>
           </a:p>
@@ -2333,7 +2334,7 @@
           <a:p>
             <a:fld id="{226C7FB1-4831-6A4C-9DF2-6EA9AA49499B}" type="datetimeFigureOut">
               <a:rPr lang="en-US" smtClean="0"/>
-              <a:t>10/1/18</a:t>
+              <a:t>1/14/19</a:t>
             </a:fld>
             <a:endParaRPr lang="en-US"/>
           </a:p>
@@ -2428,7 +2429,7 @@
           <a:p>
             <a:fld id="{226C7FB1-4831-6A4C-9DF2-6EA9AA49499B}" type="datetimeFigureOut">
               <a:rPr lang="en-US" smtClean="0"/>
-              <a:t>10/1/18</a:t>
+              <a:t>1/14/19</a:t>
             </a:fld>
             <a:endParaRPr lang="en-US"/>
           </a:p>
@@ -2703,7 +2704,7 @@
           <a:p>
             <a:fld id="{226C7FB1-4831-6A4C-9DF2-6EA9AA49499B}" type="datetimeFigureOut">
               <a:rPr lang="en-US" smtClean="0"/>
-              <a:t>10/1/18</a:t>
+              <a:t>1/14/19</a:t>
             </a:fld>
             <a:endParaRPr lang="en-US"/>
           </a:p>
@@ -2955,7 +2956,7 @@
           <a:p>
             <a:fld id="{226C7FB1-4831-6A4C-9DF2-6EA9AA49499B}" type="datetimeFigureOut">
               <a:rPr lang="en-US" smtClean="0"/>
-              <a:t>10/1/18</a:t>
+              <a:t>1/14/19</a:t>
             </a:fld>
             <a:endParaRPr lang="en-US"/>
           </a:p>
@@ -3166,7 +3167,7 @@
           <a:p>
             <a:fld id="{226C7FB1-4831-6A4C-9DF2-6EA9AA49499B}" type="datetimeFigureOut">
               <a:rPr lang="en-US" smtClean="0"/>
-              <a:t>10/1/18</a:t>
+              <a:t>1/14/19</a:t>
             </a:fld>
             <a:endParaRPr lang="en-US"/>
           </a:p>
@@ -3647,6 +3648,117 @@
     <p:bg>
       <p:bgPr>
         <a:solidFill>
+          <a:schemeClr val="accent5">
+            <a:lumMod val="50000"/>
+          </a:schemeClr>
+        </a:solidFill>
+        <a:effectLst/>
+      </p:bgPr>
+    </p:bg>
+    <p:spTree>
+      <p:nvGrpSpPr>
+        <p:cNvPr id="1" name=""/>
+        <p:cNvGrpSpPr/>
+        <p:nvPr/>
+      </p:nvGrpSpPr>
+      <p:grpSpPr>
+        <a:xfrm>
+          <a:off x="0" y="0"/>
+          <a:ext cx="0" cy="0"/>
+          <a:chOff x="0" y="0"/>
+          <a:chExt cx="0" cy="0"/>
+        </a:xfrm>
+      </p:grpSpPr>
+      <p:sp>
+        <p:nvSpPr>
+          <p:cNvPr id="2" name="Title 1"/>
+          <p:cNvSpPr>
+            <a:spLocks noGrp="1"/>
+          </p:cNvSpPr>
+          <p:nvPr>
+            <p:ph type="ctrTitle"/>
+          </p:nvPr>
+        </p:nvSpPr>
+        <p:spPr>
+          <a:xfrm>
+            <a:off x="0" y="173918"/>
+            <a:ext cx="4578662" cy="4163620"/>
+          </a:xfrm>
+        </p:spPr>
+        <p:txBody>
+          <a:bodyPr>
+            <a:noAutofit/>
+          </a:bodyPr>
+          <a:lstStyle/>
+          <a:p>
+            <a:r>
+              <a:rPr lang="en-US" sz="9600" b="1" dirty="0">
+                <a:solidFill>
+                  <a:schemeClr val="bg1"/>
+                </a:solidFill>
+              </a:rPr>
+              <a:t>HSJ</a:t>
+            </a:r>
+            <a:br>
+              <a:rPr lang="en-US" sz="9600" b="1" dirty="0">
+                <a:solidFill>
+                  <a:schemeClr val="bg1"/>
+                </a:solidFill>
+              </a:rPr>
+            </a:br>
+            <a:r>
+              <a:rPr lang="en-US" sz="9600" b="1" dirty="0" smtClean="0">
+                <a:solidFill>
+                  <a:schemeClr val="bg1"/>
+                </a:solidFill>
+              </a:rPr>
+              <a:t>Nov</a:t>
+            </a:r>
+            <a:r>
+              <a:rPr lang="en-US" sz="9600" b="1" dirty="0">
+                <a:solidFill>
+                  <a:schemeClr val="bg1"/>
+                </a:solidFill>
+              </a:rPr>
+              <a:t/>
+            </a:r>
+            <a:br>
+              <a:rPr lang="en-US" sz="9600" b="1" dirty="0">
+                <a:solidFill>
+                  <a:schemeClr val="bg1"/>
+                </a:solidFill>
+              </a:rPr>
+            </a:br>
+            <a:r>
+              <a:rPr lang="en-US" sz="9600" b="1" dirty="0">
+                <a:solidFill>
+                  <a:schemeClr val="bg1"/>
+                </a:solidFill>
+              </a:rPr>
+              <a:t>2018</a:t>
+            </a:r>
+          </a:p>
+        </p:txBody>
+      </p:sp>
+    </p:spTree>
+    <p:extLst>
+      <p:ext uri="{BB962C8B-B14F-4D97-AF65-F5344CB8AC3E}">
+        <p14:creationId xmlns:p14="http://schemas.microsoft.com/office/powerpoint/2010/main" val="113409256"/>
+      </p:ext>
+    </p:extLst>
+  </p:cSld>
+  <p:clrMapOvr>
+    <a:masterClrMapping/>
+  </p:clrMapOvr>
+</p:sld>
+</file>
+
+<file path=ppt/slides/slide11.xml><?xml version="1.0" encoding="utf-8"?>
+<p:sld xmlns:a="http://schemas.openxmlformats.org/drawingml/2006/main" xmlns:r="http://schemas.openxmlformats.org/officeDocument/2006/relationships" xmlns:p="http://schemas.openxmlformats.org/presentationml/2006/main">
+  <p:cSld>
+    <p:bg>
+      <p:bgPr>
+        <a:solidFill>
           <a:schemeClr val="tx1"/>
         </a:solidFill>
         <a:effectLst/>
@@ -4049,6 +4161,112 @@
     <p:bg>
       <p:bgPr>
         <a:solidFill>
+          <a:schemeClr val="accent5"/>
+        </a:solidFill>
+        <a:effectLst/>
+      </p:bgPr>
+    </p:bg>
+    <p:spTree>
+      <p:nvGrpSpPr>
+        <p:cNvPr id="1" name=""/>
+        <p:cNvGrpSpPr/>
+        <p:nvPr/>
+      </p:nvGrpSpPr>
+      <p:grpSpPr>
+        <a:xfrm>
+          <a:off x="0" y="0"/>
+          <a:ext cx="0" cy="0"/>
+          <a:chOff x="0" y="0"/>
+          <a:chExt cx="0" cy="0"/>
+        </a:xfrm>
+      </p:grpSpPr>
+      <p:sp>
+        <p:nvSpPr>
+          <p:cNvPr id="2" name="Title 1"/>
+          <p:cNvSpPr>
+            <a:spLocks noGrp="1"/>
+          </p:cNvSpPr>
+          <p:nvPr>
+            <p:ph type="ctrTitle"/>
+          </p:nvPr>
+        </p:nvSpPr>
+        <p:spPr>
+          <a:xfrm>
+            <a:off x="0" y="173918"/>
+            <a:ext cx="4578662" cy="4163620"/>
+          </a:xfrm>
+        </p:spPr>
+        <p:txBody>
+          <a:bodyPr>
+            <a:noAutofit/>
+          </a:bodyPr>
+          <a:lstStyle/>
+          <a:p>
+            <a:r>
+              <a:rPr lang="en-US" sz="9600" b="1" dirty="0">
+                <a:solidFill>
+                  <a:srgbClr val="FFFF00"/>
+                </a:solidFill>
+              </a:rPr>
+              <a:t>HSJ</a:t>
+            </a:r>
+            <a:br>
+              <a:rPr lang="en-US" sz="9600" b="1" dirty="0">
+                <a:solidFill>
+                  <a:srgbClr val="FFFF00"/>
+                </a:solidFill>
+              </a:rPr>
+            </a:br>
+            <a:r>
+              <a:rPr lang="en-US" sz="9600" b="1" dirty="0">
+                <a:solidFill>
+                  <a:srgbClr val="FFFF00"/>
+                </a:solidFill>
+              </a:rPr>
+              <a:t>January</a:t>
+            </a:r>
+            <a:br>
+              <a:rPr lang="en-US" sz="9600" b="1" dirty="0">
+                <a:solidFill>
+                  <a:srgbClr val="FFFF00"/>
+                </a:solidFill>
+              </a:rPr>
+            </a:br>
+            <a:r>
+              <a:rPr lang="en-US" sz="9600" b="1" dirty="0" smtClean="0">
+                <a:solidFill>
+                  <a:srgbClr val="FFFF00"/>
+                </a:solidFill>
+              </a:rPr>
+              <a:t>2019</a:t>
+            </a:r>
+            <a:endParaRPr lang="en-US" sz="9600" b="1" dirty="0">
+              <a:solidFill>
+                <a:srgbClr val="FFFF00"/>
+              </a:solidFill>
+            </a:endParaRPr>
+          </a:p>
+        </p:txBody>
+      </p:sp>
+    </p:spTree>
+    <p:extLst>
+      <p:ext uri="{BB962C8B-B14F-4D97-AF65-F5344CB8AC3E}">
+        <p14:creationId xmlns:p14="http://schemas.microsoft.com/office/powerpoint/2010/main" val="222446264"/>
+      </p:ext>
+    </p:extLst>
+  </p:cSld>
+  <p:clrMapOvr>
+    <a:masterClrMapping/>
+  </p:clrMapOvr>
+</p:sld>
+</file>
+
+<file path=ppt/slides/slide6.xml><?xml version="1.0" encoding="utf-8"?>
+<p:sld xmlns:a="http://schemas.openxmlformats.org/drawingml/2006/main" xmlns:r="http://schemas.openxmlformats.org/officeDocument/2006/relationships" xmlns:p="http://schemas.openxmlformats.org/presentationml/2006/main">
+  <p:cSld>
+    <p:bg>
+      <p:bgPr>
+        <a:solidFill>
           <a:schemeClr val="accent6">
             <a:lumMod val="40000"/>
             <a:lumOff val="60000"/>
@@ -4157,7 +4375,7 @@
 </p:sld>
 </file>
 
-<file path=ppt/slides/slide6.xml><?xml version="1.0" encoding="utf-8"?>
+<file path=ppt/slides/slide7.xml><?xml version="1.0" encoding="utf-8"?>
 <p:sld xmlns:a="http://schemas.openxmlformats.org/drawingml/2006/main" xmlns:r="http://schemas.openxmlformats.org/officeDocument/2006/relationships" xmlns:p="http://schemas.openxmlformats.org/presentationml/2006/main">
   <p:cSld>
     <p:bg>
@@ -4258,7 +4476,7 @@
 </p:sld>
 </file>
 
-<file path=ppt/slides/slide7.xml><?xml version="1.0" encoding="utf-8"?>
+<file path=ppt/slides/slide8.xml><?xml version="1.0" encoding="utf-8"?>
 <p:sld xmlns:a="http://schemas.openxmlformats.org/drawingml/2006/main" xmlns:r="http://schemas.openxmlformats.org/officeDocument/2006/relationships" xmlns:p="http://schemas.openxmlformats.org/presentationml/2006/main">
   <p:cSld>
     <p:bg>
@@ -4369,7 +4587,7 @@
 </p:sld>
 </file>
 
-<file path=ppt/slides/slide8.xml><?xml version="1.0" encoding="utf-8"?>
+<file path=ppt/slides/slide9.xml><?xml version="1.0" encoding="utf-8"?>
 <p:sld xmlns:a="http://schemas.openxmlformats.org/drawingml/2006/main" xmlns:r="http://schemas.openxmlformats.org/officeDocument/2006/relationships" xmlns:p="http://schemas.openxmlformats.org/presentationml/2006/main">
   <p:cSld>
     <p:bg>
@@ -4441,130 +4659,6 @@
     <p:extLst>
       <p:ext uri="{BB962C8B-B14F-4D97-AF65-F5344CB8AC3E}">
         <p14:creationId xmlns:p14="http://schemas.microsoft.com/office/powerpoint/2010/main" val="2592910576"/>
-      </p:ext>
-    </p:extLst>
-  </p:cSld>
-  <p:clrMapOvr>
-    <a:masterClrMapping/>
-  </p:clrMapOvr>
-</p:sld>
-</file>
-
-<file path=ppt/slides/slide9.xml><?xml version="1.0" encoding="utf-8"?>
-<p:sld xmlns:a="http://schemas.openxmlformats.org/drawingml/2006/main" xmlns:r="http://schemas.openxmlformats.org/officeDocument/2006/relationships" xmlns:p="http://schemas.openxmlformats.org/presentationml/2006/main">
-  <p:cSld>
-    <p:bg>
-      <p:bgPr>
-        <a:solidFill>
-          <a:schemeClr val="accent1">
-            <a:lumMod val="40000"/>
-            <a:lumOff val="60000"/>
-          </a:schemeClr>
-        </a:solidFill>
-        <a:effectLst/>
-      </p:bgPr>
-    </p:bg>
-    <p:spTree>
-      <p:nvGrpSpPr>
-        <p:cNvPr id="1" name=""/>
-        <p:cNvGrpSpPr/>
-        <p:nvPr/>
-      </p:nvGrpSpPr>
-      <p:grpSpPr>
-        <a:xfrm>
-          <a:off x="0" y="0"/>
-          <a:ext cx="0" cy="0"/>
-          <a:chOff x="0" y="0"/>
-          <a:chExt cx="0" cy="0"/>
-        </a:xfrm>
-      </p:grpSpPr>
-      <p:sp>
-        <p:nvSpPr>
-          <p:cNvPr id="2" name="Title 1"/>
-          <p:cNvSpPr>
-            <a:spLocks noGrp="1"/>
-          </p:cNvSpPr>
-          <p:nvPr>
-            <p:ph type="ctrTitle"/>
-          </p:nvPr>
-        </p:nvSpPr>
-        <p:spPr>
-          <a:xfrm>
-            <a:off x="0" y="173918"/>
-            <a:ext cx="4578662" cy="4163620"/>
-          </a:xfrm>
-        </p:spPr>
-        <p:txBody>
-          <a:bodyPr>
-            <a:noAutofit/>
-          </a:bodyPr>
-          <a:lstStyle/>
-          <a:p>
-            <a:r>
-              <a:rPr lang="en-US" sz="9600" b="1" dirty="0">
-                <a:solidFill>
-                  <a:schemeClr val="accent6">
-                    <a:lumMod val="75000"/>
-                  </a:schemeClr>
-                </a:solidFill>
-              </a:rPr>
-              <a:t>HSJ</a:t>
-            </a:r>
-            <a:br>
-              <a:rPr lang="en-US" sz="9600" b="1" dirty="0">
-                <a:solidFill>
-                  <a:schemeClr val="accent6">
-                    <a:lumMod val="75000"/>
-                  </a:schemeClr>
-                </a:solidFill>
-              </a:rPr>
-            </a:br>
-            <a:r>
-              <a:rPr lang="en-US" sz="9600" b="1" dirty="0" smtClean="0">
-                <a:solidFill>
-                  <a:schemeClr val="accent6">
-                    <a:lumMod val="75000"/>
-                  </a:schemeClr>
-                </a:solidFill>
-              </a:rPr>
-              <a:t>Aug</a:t>
-            </a:r>
-            <a:r>
-              <a:rPr lang="en-US" sz="9600" b="1" dirty="0">
-                <a:solidFill>
-                  <a:schemeClr val="accent6">
-                    <a:lumMod val="75000"/>
-                  </a:schemeClr>
-                </a:solidFill>
-              </a:rPr>
-              <a:t/>
-            </a:r>
-            <a:br>
-              <a:rPr lang="en-US" sz="9600" b="1" dirty="0">
-                <a:solidFill>
-                  <a:schemeClr val="accent6">
-                    <a:lumMod val="75000"/>
-                  </a:schemeClr>
-                </a:solidFill>
-              </a:rPr>
-            </a:br>
-            <a:r>
-              <a:rPr lang="en-US" sz="9600" b="1" dirty="0">
-                <a:solidFill>
-                  <a:schemeClr val="accent6">
-                    <a:lumMod val="75000"/>
-                  </a:schemeClr>
-                </a:solidFill>
-              </a:rPr>
-              <a:t>2018</a:t>
-            </a:r>
-          </a:p>
-        </p:txBody>
-      </p:sp>
-    </p:spTree>
-    <p:extLst>
-      <p:ext uri="{BB962C8B-B14F-4D97-AF65-F5344CB8AC3E}">
-        <p14:creationId xmlns:p14="http://schemas.microsoft.com/office/powerpoint/2010/main" val="113409256"/>
       </p:ext>
     </p:extLst>
   </p:cSld>

--- a/resources/soundcloud.pptx
+++ b/resources/soundcloud.pptx
@@ -5,7 +5,7 @@
     <p:sldMasterId id="2147483648" r:id="rId1"/>
   </p:sldMasterIdLst>
   <p:notesMasterIdLst>
-    <p:notesMasterId r:id="rId13"/>
+    <p:notesMasterId r:id="rId14"/>
   </p:notesMasterIdLst>
   <p:sldIdLst>
     <p:sldId id="256" r:id="rId2"/>
@@ -18,7 +18,8 @@
     <p:sldId id="261" r:id="rId9"/>
     <p:sldId id="264" r:id="rId10"/>
     <p:sldId id="266" r:id="rId11"/>
-    <p:sldId id="258" r:id="rId12"/>
+    <p:sldId id="268" r:id="rId12"/>
+    <p:sldId id="258" r:id="rId13"/>
   </p:sldIdLst>
   <p:sldSz cx="4572000" cy="4572000"/>
   <p:notesSz cx="6858000" cy="9144000"/>
@@ -119,7 +120,7 @@
   </p:defaultTextStyle>
   <p:extLst>
     <p:ext uri="{EFAFB233-063F-42B5-8137-9DF3F51BA10A}">
-      <p15:sldGuideLst xmlns="" xmlns:p15="http://schemas.microsoft.com/office/powerpoint/2012/main">
+      <p15:sldGuideLst xmlns:p15="http://schemas.microsoft.com/office/powerpoint/2012/main">
         <p15:guide id="1" orient="horz" pos="1440">
           <p15:clr>
             <a:srgbClr val="A4A3A4"/>
@@ -218,7 +219,7 @@
           <a:p>
             <a:fld id="{08B30D70-D9E6-0042-997C-79AA6B350E63}" type="datetimeFigureOut">
               <a:rPr lang="en-US" smtClean="0"/>
-              <a:t>1/14/19</a:t>
+              <a:t>3/3/19</a:t>
             </a:fld>
             <a:endParaRPr lang="en-US"/>
           </a:p>
@@ -282,38 +283,37 @@
           <a:p>
             <a:pPr lvl="0"/>
             <a:r>
-              <a:rPr lang="en-US" smtClean="0"/>
+              <a:rPr lang="en-US"/>
               <a:t>Click to edit Master text styles</a:t>
             </a:r>
           </a:p>
           <a:p>
             <a:pPr lvl="1"/>
             <a:r>
-              <a:rPr lang="en-US" smtClean="0"/>
+              <a:rPr lang="en-US"/>
               <a:t>Second level</a:t>
             </a:r>
           </a:p>
           <a:p>
             <a:pPr lvl="2"/>
             <a:r>
-              <a:rPr lang="en-US" smtClean="0"/>
+              <a:rPr lang="en-US"/>
               <a:t>Third level</a:t>
             </a:r>
           </a:p>
           <a:p>
             <a:pPr lvl="3"/>
             <a:r>
-              <a:rPr lang="en-US" smtClean="0"/>
+              <a:rPr lang="en-US"/>
               <a:t>Fourth level</a:t>
             </a:r>
           </a:p>
           <a:p>
             <a:pPr lvl="4"/>
             <a:r>
-              <a:rPr lang="en-US" smtClean="0"/>
+              <a:rPr lang="en-US"/>
               <a:t>Fifth level</a:t>
             </a:r>
-            <a:endParaRPr lang="en-US"/>
           </a:p>
         </p:txBody>
       </p:sp>
@@ -570,6 +570,90 @@
 </p:notes>
 </file>
 
+<file path=ppt/notesSlides/notesSlide2.xml><?xml version="1.0" encoding="utf-8"?>
+<p:notes xmlns:a="http://schemas.openxmlformats.org/drawingml/2006/main" xmlns:r="http://schemas.openxmlformats.org/officeDocument/2006/relationships" xmlns:p="http://schemas.openxmlformats.org/presentationml/2006/main">
+  <p:cSld>
+    <p:spTree>
+      <p:nvGrpSpPr>
+        <p:cNvPr id="1" name=""/>
+        <p:cNvGrpSpPr/>
+        <p:nvPr/>
+      </p:nvGrpSpPr>
+      <p:grpSpPr>
+        <a:xfrm>
+          <a:off x="0" y="0"/>
+          <a:ext cx="0" cy="0"/>
+          <a:chOff x="0" y="0"/>
+          <a:chExt cx="0" cy="0"/>
+        </a:xfrm>
+      </p:grpSpPr>
+      <p:sp>
+        <p:nvSpPr>
+          <p:cNvPr id="2" name="Slide Image Placeholder 1"/>
+          <p:cNvSpPr>
+            <a:spLocks noGrp="1" noRot="1" noChangeAspect="1"/>
+          </p:cNvSpPr>
+          <p:nvPr>
+            <p:ph type="sldImg"/>
+          </p:nvPr>
+        </p:nvSpPr>
+        <p:spPr/>
+      </p:sp>
+      <p:sp>
+        <p:nvSpPr>
+          <p:cNvPr id="3" name="Notes Placeholder 2"/>
+          <p:cNvSpPr>
+            <a:spLocks noGrp="1"/>
+          </p:cNvSpPr>
+          <p:nvPr>
+            <p:ph type="body" idx="1"/>
+          </p:nvPr>
+        </p:nvSpPr>
+        <p:spPr/>
+        <p:txBody>
+          <a:bodyPr/>
+          <a:lstStyle/>
+          <a:p>
+            <a:endParaRPr lang="en-US" dirty="0"/>
+          </a:p>
+        </p:txBody>
+      </p:sp>
+      <p:sp>
+        <p:nvSpPr>
+          <p:cNvPr id="4" name="Slide Number Placeholder 3"/>
+          <p:cNvSpPr>
+            <a:spLocks noGrp="1"/>
+          </p:cNvSpPr>
+          <p:nvPr>
+            <p:ph type="sldNum" sz="quarter" idx="10"/>
+          </p:nvPr>
+        </p:nvSpPr>
+        <p:spPr/>
+        <p:txBody>
+          <a:bodyPr/>
+          <a:lstStyle/>
+          <a:p>
+            <a:fld id="{C41573AF-D93F-2D48-A485-A84534C0726B}" type="slidenum">
+              <a:rPr lang="en-US" smtClean="0"/>
+              <a:t>11</a:t>
+            </a:fld>
+            <a:endParaRPr lang="en-US"/>
+          </a:p>
+        </p:txBody>
+      </p:sp>
+    </p:spTree>
+    <p:extLst>
+      <p:ext uri="{BB962C8B-B14F-4D97-AF65-F5344CB8AC3E}">
+        <p14:creationId xmlns:p14="http://schemas.microsoft.com/office/powerpoint/2010/main" val="2638974071"/>
+      </p:ext>
+    </p:extLst>
+  </p:cSld>
+  <p:clrMapOvr>
+    <a:masterClrMapping/>
+  </p:clrMapOvr>
+</p:notes>
+</file>
+
 <file path=ppt/slideLayouts/slideLayout1.xml><?xml version="1.0" encoding="utf-8"?>
 <p:sldLayout xmlns:a="http://schemas.openxmlformats.org/drawingml/2006/main" xmlns:r="http://schemas.openxmlformats.org/officeDocument/2006/relationships" xmlns:p="http://schemas.openxmlformats.org/presentationml/2006/main" type="title" preserve="1">
   <p:cSld name="Title Slide">
@@ -749,7 +833,7 @@
           <a:p>
             <a:fld id="{226C7FB1-4831-6A4C-9DF2-6EA9AA49499B}" type="datetimeFigureOut">
               <a:rPr lang="en-US" smtClean="0"/>
-              <a:t>1/14/19</a:t>
+              <a:t>3/3/19</a:t>
             </a:fld>
             <a:endParaRPr lang="en-US"/>
           </a:p>
@@ -917,7 +1001,7 @@
           <a:p>
             <a:fld id="{226C7FB1-4831-6A4C-9DF2-6EA9AA49499B}" type="datetimeFigureOut">
               <a:rPr lang="en-US" smtClean="0"/>
-              <a:t>1/14/19</a:t>
+              <a:t>3/3/19</a:t>
             </a:fld>
             <a:endParaRPr lang="en-US"/>
           </a:p>
@@ -1095,7 +1179,7 @@
           <a:p>
             <a:fld id="{226C7FB1-4831-6A4C-9DF2-6EA9AA49499B}" type="datetimeFigureOut">
               <a:rPr lang="en-US" smtClean="0"/>
-              <a:t>1/14/19</a:t>
+              <a:t>3/3/19</a:t>
             </a:fld>
             <a:endParaRPr lang="en-US"/>
           </a:p>
@@ -1263,7 +1347,7 @@
           <a:p>
             <a:fld id="{226C7FB1-4831-6A4C-9DF2-6EA9AA49499B}" type="datetimeFigureOut">
               <a:rPr lang="en-US" smtClean="0"/>
-              <a:t>1/14/19</a:t>
+              <a:t>3/3/19</a:t>
             </a:fld>
             <a:endParaRPr lang="en-US"/>
           </a:p>
@@ -1508,7 +1592,7 @@
           <a:p>
             <a:fld id="{226C7FB1-4831-6A4C-9DF2-6EA9AA49499B}" type="datetimeFigureOut">
               <a:rPr lang="en-US" smtClean="0"/>
-              <a:t>1/14/19</a:t>
+              <a:t>3/3/19</a:t>
             </a:fld>
             <a:endParaRPr lang="en-US"/>
           </a:p>
@@ -1793,7 +1877,7 @@
           <a:p>
             <a:fld id="{226C7FB1-4831-6A4C-9DF2-6EA9AA49499B}" type="datetimeFigureOut">
               <a:rPr lang="en-US" smtClean="0"/>
-              <a:t>1/14/19</a:t>
+              <a:t>3/3/19</a:t>
             </a:fld>
             <a:endParaRPr lang="en-US"/>
           </a:p>
@@ -2217,7 +2301,7 @@
           <a:p>
             <a:fld id="{226C7FB1-4831-6A4C-9DF2-6EA9AA49499B}" type="datetimeFigureOut">
               <a:rPr lang="en-US" smtClean="0"/>
-              <a:t>1/14/19</a:t>
+              <a:t>3/3/19</a:t>
             </a:fld>
             <a:endParaRPr lang="en-US"/>
           </a:p>
@@ -2334,7 +2418,7 @@
           <a:p>
             <a:fld id="{226C7FB1-4831-6A4C-9DF2-6EA9AA49499B}" type="datetimeFigureOut">
               <a:rPr lang="en-US" smtClean="0"/>
-              <a:t>1/14/19</a:t>
+              <a:t>3/3/19</a:t>
             </a:fld>
             <a:endParaRPr lang="en-US"/>
           </a:p>
@@ -2429,7 +2513,7 @@
           <a:p>
             <a:fld id="{226C7FB1-4831-6A4C-9DF2-6EA9AA49499B}" type="datetimeFigureOut">
               <a:rPr lang="en-US" smtClean="0"/>
-              <a:t>1/14/19</a:t>
+              <a:t>3/3/19</a:t>
             </a:fld>
             <a:endParaRPr lang="en-US"/>
           </a:p>
@@ -2704,7 +2788,7 @@
           <a:p>
             <a:fld id="{226C7FB1-4831-6A4C-9DF2-6EA9AA49499B}" type="datetimeFigureOut">
               <a:rPr lang="en-US" smtClean="0"/>
-              <a:t>1/14/19</a:t>
+              <a:t>3/3/19</a:t>
             </a:fld>
             <a:endParaRPr lang="en-US"/>
           </a:p>
@@ -2956,7 +3040,7 @@
           <a:p>
             <a:fld id="{226C7FB1-4831-6A4C-9DF2-6EA9AA49499B}" type="datetimeFigureOut">
               <a:rPr lang="en-US" smtClean="0"/>
-              <a:t>1/14/19</a:t>
+              <a:t>3/3/19</a:t>
             </a:fld>
             <a:endParaRPr lang="en-US"/>
           </a:p>
@@ -3167,7 +3251,7 @@
           <a:p>
             <a:fld id="{226C7FB1-4831-6A4C-9DF2-6EA9AA49499B}" type="datetimeFigureOut">
               <a:rPr lang="en-US" smtClean="0"/>
-              <a:t>1/14/19</a:t>
+              <a:t>3/3/19</a:t>
             </a:fld>
             <a:endParaRPr lang="en-US"/>
           </a:p>
@@ -3580,14 +3664,6 @@
               </a:rPr>
               <a:t>HSJ</a:t>
             </a:r>
-            <a:r>
-              <a:rPr lang="en-US" sz="9600" b="1" dirty="0">
-                <a:solidFill>
-                  <a:srgbClr val="FFFF00"/>
-                </a:solidFill>
-              </a:rPr>
-              <a:t/>
-            </a:r>
             <a:br>
               <a:rPr lang="en-US" sz="9600" b="1" dirty="0">
                 <a:solidFill>
@@ -3602,14 +3678,6 @@
                 </a:solidFill>
               </a:rPr>
               <a:t>July</a:t>
-            </a:r>
-            <a:r>
-              <a:rPr lang="en-US" sz="9600" b="1" dirty="0">
-                <a:solidFill>
-                  <a:srgbClr val="FFFF00"/>
-                </a:solidFill>
-              </a:rPr>
-              <a:t/>
             </a:r>
             <a:br>
               <a:rPr lang="en-US" sz="9600" b="1" dirty="0">
@@ -3707,20 +3775,12 @@
               </a:rPr>
             </a:br>
             <a:r>
-              <a:rPr lang="en-US" sz="9600" b="1" dirty="0" smtClean="0">
+              <a:rPr lang="en-US" sz="9600" b="1" dirty="0">
                 <a:solidFill>
                   <a:schemeClr val="bg1"/>
                 </a:solidFill>
               </a:rPr>
               <a:t>Nov</a:t>
-            </a:r>
-            <a:r>
-              <a:rPr lang="en-US" sz="9600" b="1" dirty="0">
-                <a:solidFill>
-                  <a:schemeClr val="bg1"/>
-                </a:solidFill>
-              </a:rPr>
-              <a:t/>
             </a:r>
             <a:br>
               <a:rPr lang="en-US" sz="9600" b="1" dirty="0">
@@ -3754,6 +3814,107 @@
 </file>
 
 <file path=ppt/slides/slide11.xml><?xml version="1.0" encoding="utf-8"?>
+<p:sld xmlns:a="http://schemas.openxmlformats.org/drawingml/2006/main" xmlns:r="http://schemas.openxmlformats.org/officeDocument/2006/relationships" xmlns:p="http://schemas.openxmlformats.org/presentationml/2006/main">
+  <p:cSld>
+    <p:bg>
+      <p:bgPr>
+        <a:solidFill>
+          <a:srgbClr val="00B050"/>
+        </a:solidFill>
+        <a:effectLst/>
+      </p:bgPr>
+    </p:bg>
+    <p:spTree>
+      <p:nvGrpSpPr>
+        <p:cNvPr id="1" name=""/>
+        <p:cNvGrpSpPr/>
+        <p:nvPr/>
+      </p:nvGrpSpPr>
+      <p:grpSpPr>
+        <a:xfrm>
+          <a:off x="0" y="0"/>
+          <a:ext cx="0" cy="0"/>
+          <a:chOff x="0" y="0"/>
+          <a:chExt cx="0" cy="0"/>
+        </a:xfrm>
+      </p:grpSpPr>
+      <p:sp>
+        <p:nvSpPr>
+          <p:cNvPr id="2" name="Title 1"/>
+          <p:cNvSpPr>
+            <a:spLocks noGrp="1"/>
+          </p:cNvSpPr>
+          <p:nvPr>
+            <p:ph type="ctrTitle"/>
+          </p:nvPr>
+        </p:nvSpPr>
+        <p:spPr>
+          <a:xfrm>
+            <a:off x="0" y="173918"/>
+            <a:ext cx="4578662" cy="4163620"/>
+          </a:xfrm>
+        </p:spPr>
+        <p:txBody>
+          <a:bodyPr>
+            <a:noAutofit/>
+          </a:bodyPr>
+          <a:lstStyle/>
+          <a:p>
+            <a:r>
+              <a:rPr lang="en-US" sz="9600" b="1" dirty="0">
+                <a:solidFill>
+                  <a:schemeClr val="bg1"/>
+                </a:solidFill>
+              </a:rPr>
+              <a:t>HSJ</a:t>
+            </a:r>
+            <a:br>
+              <a:rPr lang="en-US" sz="9600" b="1" dirty="0">
+                <a:solidFill>
+                  <a:schemeClr val="bg1"/>
+                </a:solidFill>
+              </a:rPr>
+            </a:br>
+            <a:r>
+              <a:rPr lang="en-US" sz="9600" b="1" dirty="0">
+                <a:solidFill>
+                  <a:schemeClr val="bg1"/>
+                </a:solidFill>
+              </a:rPr>
+              <a:t>Mar</a:t>
+            </a:r>
+            <a:br>
+              <a:rPr lang="en-US" sz="9600" b="1" dirty="0">
+                <a:solidFill>
+                  <a:schemeClr val="bg1"/>
+                </a:solidFill>
+              </a:rPr>
+            </a:br>
+            <a:r>
+              <a:rPr lang="en-US" sz="9600" b="1" dirty="0">
+                <a:solidFill>
+                  <a:schemeClr val="bg1"/>
+                </a:solidFill>
+              </a:rPr>
+              <a:t>2019</a:t>
+            </a:r>
+          </a:p>
+        </p:txBody>
+      </p:sp>
+    </p:spTree>
+    <p:extLst>
+      <p:ext uri="{BB962C8B-B14F-4D97-AF65-F5344CB8AC3E}">
+        <p14:creationId xmlns:p14="http://schemas.microsoft.com/office/powerpoint/2010/main" val="469744033"/>
+      </p:ext>
+    </p:extLst>
+  </p:cSld>
+  <p:clrMapOvr>
+    <a:masterClrMapping/>
+  </p:clrMapOvr>
+</p:sld>
+</file>
+
+<file path=ppt/slides/slide12.xml><?xml version="1.0" encoding="utf-8"?>
 <p:sld xmlns:a="http://schemas.openxmlformats.org/drawingml/2006/main" xmlns:r="http://schemas.openxmlformats.org/officeDocument/2006/relationships" xmlns:p="http://schemas.openxmlformats.org/presentationml/2006/main">
   <p:cSld>
     <p:bg>
@@ -4008,20 +4169,12 @@
               </a:rPr>
             </a:br>
             <a:r>
-              <a:rPr lang="en-US" sz="9600" b="1" dirty="0" smtClean="0">
+              <a:rPr lang="en-US" sz="9600" b="1" dirty="0">
                 <a:solidFill>
                   <a:srgbClr val="0000FF"/>
                 </a:solidFill>
               </a:rPr>
               <a:t>Ophelia</a:t>
-            </a:r>
-            <a:r>
-              <a:rPr lang="en-US" sz="9600" b="1" dirty="0">
-                <a:solidFill>
-                  <a:srgbClr val="0000FF"/>
-                </a:solidFill>
-              </a:rPr>
-              <a:t/>
             </a:r>
             <a:br>
               <a:rPr lang="en-US" sz="9600" b="1" dirty="0">
@@ -4233,18 +4386,13 @@
               </a:rPr>
             </a:br>
             <a:r>
-              <a:rPr lang="en-US" sz="9600" b="1" dirty="0" smtClean="0">
+              <a:rPr lang="en-US" sz="9600" b="1" dirty="0">
                 <a:solidFill>
                   <a:srgbClr val="FFFF00"/>
                 </a:solidFill>
               </a:rPr>
               <a:t>2019</a:t>
             </a:r>
-            <a:endParaRPr lang="en-US" sz="9600" b="1" dirty="0">
-              <a:solidFill>
-                <a:srgbClr val="FFFF00"/>
-              </a:solidFill>
-            </a:endParaRPr>
           </a:p>
         </p:txBody>
       </p:sp>
